--- a/manuscript/figures/jax_dips_paper_v2.pptx
+++ b/manuscript/figures/jax_dips_paper_v2.pptx
@@ -7281,7 +7281,7 @@
         <p:spPr>
           <a:xfrm flipH="1" rot="10800000">
             <a:off x="4656674" y="1328332"/>
-            <a:ext cx="2313900" cy="666000"/>
+            <a:ext cx="2313900" cy="589800"/>
           </a:xfrm>
           <a:prstGeom prst="bentConnector2">
             <a:avLst/>
@@ -7309,8 +7309,8 @@
         </p:nvCxnSpPr>
         <p:spPr>
           <a:xfrm flipH="1" rot="10800000">
-            <a:off x="2221712" y="1994292"/>
-            <a:ext cx="769800" cy="788400"/>
+            <a:off x="2221712" y="1918092"/>
+            <a:ext cx="769800" cy="1093200"/>
           </a:xfrm>
           <a:prstGeom prst="bentConnector3">
             <a:avLst>
@@ -7340,8 +7340,8 @@
         </p:nvCxnSpPr>
         <p:spPr>
           <a:xfrm>
-            <a:off x="2221712" y="2782692"/>
-            <a:ext cx="768000" cy="1415400"/>
+            <a:off x="2221712" y="3011292"/>
+            <a:ext cx="768000" cy="1186800"/>
           </a:xfrm>
           <a:prstGeom prst="bentConnector3">
             <a:avLst>
@@ -7450,7 +7450,7 @@
         </p:nvGrpSpPr>
         <p:grpSpPr>
           <a:xfrm>
-            <a:off x="79786" y="1645101"/>
+            <a:off x="79786" y="1873701"/>
             <a:ext cx="2141926" cy="2627885"/>
             <a:chOff x="232186" y="1492701"/>
             <a:chExt cx="2141926" cy="2627885"/>
@@ -7535,7 +7535,7 @@
         </p:nvGrpSpPr>
         <p:grpSpPr>
           <a:xfrm>
-            <a:off x="2801346" y="767009"/>
+            <a:off x="2801346" y="690809"/>
             <a:ext cx="2108100" cy="2111706"/>
             <a:chOff x="3258546" y="56659"/>
             <a:chExt cx="2108100" cy="2111706"/>
@@ -7917,8 +7917,8 @@
         </p:nvCxnSpPr>
         <p:spPr>
           <a:xfrm>
-            <a:off x="4656674" y="1994332"/>
-            <a:ext cx="2315400" cy="655800"/>
+            <a:off x="4656674" y="1918132"/>
+            <a:ext cx="2315400" cy="732000"/>
           </a:xfrm>
           <a:prstGeom prst="bentConnector2">
             <a:avLst/>
@@ -8078,7 +8078,7 @@
         </p:nvSpPr>
         <p:spPr>
           <a:xfrm>
-            <a:off x="5100575" y="1433750"/>
+            <a:off x="5100575" y="1357550"/>
             <a:ext cx="1078110" cy="269352"/>
           </a:xfrm>
           <a:prstGeom prst="flowChartTerminator">
@@ -8125,7 +8125,7 @@
         </p:nvCxnSpPr>
         <p:spPr>
           <a:xfrm flipH="1" rot="10800000">
-            <a:off x="4656674" y="1568332"/>
+            <a:off x="4656674" y="1492132"/>
             <a:ext cx="444000" cy="426000"/>
           </a:xfrm>
           <a:prstGeom prst="bentConnector3">
@@ -8265,8 +8265,8 @@
         </p:nvCxnSpPr>
         <p:spPr>
           <a:xfrm rot="-5400000">
-            <a:off x="5601530" y="797150"/>
-            <a:ext cx="674700" cy="598500"/>
+            <a:off x="5639630" y="759050"/>
+            <a:ext cx="598500" cy="598500"/>
           </a:xfrm>
           <a:prstGeom prst="bentConnector2">
             <a:avLst/>
@@ -8334,6 +8334,285 @@
 </file>
 
 <file path=ppt/theme/theme1.xml><?xml version="1.0" encoding="utf-8"?>
+<a:theme xmlns:a="http://schemas.openxmlformats.org/drawingml/2006/main" xmlns:r="http://schemas.openxmlformats.org/officeDocument/2006/relationships">
+  <a:themeElements>
+    <a:clrScheme name="Default">
+      <a:dk1>
+        <a:srgbClr val="000000"/>
+      </a:dk1>
+      <a:lt1>
+        <a:srgbClr val="FFFFFF"/>
+      </a:lt1>
+      <a:dk2>
+        <a:srgbClr val="158158"/>
+      </a:dk2>
+      <a:lt2>
+        <a:srgbClr val="F3F3F3"/>
+      </a:lt2>
+      <a:accent1>
+        <a:srgbClr val="058DC7"/>
+      </a:accent1>
+      <a:accent2>
+        <a:srgbClr val="50B432"/>
+      </a:accent2>
+      <a:accent3>
+        <a:srgbClr val="ED561B"/>
+      </a:accent3>
+      <a:accent4>
+        <a:srgbClr val="EDEF00"/>
+      </a:accent4>
+      <a:accent5>
+        <a:srgbClr val="24CBE5"/>
+      </a:accent5>
+      <a:accent6>
+        <a:srgbClr val="64E572"/>
+      </a:accent6>
+      <a:hlink>
+        <a:srgbClr val="2200CC"/>
+      </a:hlink>
+      <a:folHlink>
+        <a:srgbClr val="551A8B"/>
+      </a:folHlink>
+    </a:clrScheme>
+    <a:fontScheme name="Office">
+      <a:majorFont>
+        <a:latin typeface="Arial"/>
+        <a:ea typeface=""/>
+        <a:cs typeface=""/>
+        <a:font script="Jpan" typeface="ＭＳ Ｐゴシック"/>
+        <a:font script="Hang" typeface="맑은 고딕"/>
+        <a:font script="Hans" typeface="宋体"/>
+        <a:font script="Hant" typeface="新細明體"/>
+        <a:font script="Arab" typeface="Times New Roman"/>
+        <a:font script="Hebr" typeface="Times New Roman"/>
+        <a:font script="Thai" typeface="Angsana New"/>
+        <a:font script="Ethi" typeface="Nyala"/>
+        <a:font script="Beng" typeface="Vrinda"/>
+        <a:font script="Gujr" typeface="Shruti"/>
+        <a:font script="Khmr" typeface="MoolBoran"/>
+        <a:font script="Knda" typeface="Tunga"/>
+        <a:font script="Guru" typeface="Raavi"/>
+        <a:font script="Cans" typeface="Euphemia"/>
+        <a:font script="Cher" typeface="Plantagenet Cherokee"/>
+        <a:font script="Yiii" typeface="Microsoft Yi Baiti"/>
+        <a:font script="Tibt" typeface="Microsoft Himalaya"/>
+        <a:font script="Thaa" typeface="MV Boli"/>
+        <a:font script="Deva" typeface="Mangal"/>
+        <a:font script="Telu" typeface="Gautami"/>
+        <a:font script="Taml" typeface="Latha"/>
+        <a:font script="Syrc" typeface="Estrangelo Edessa"/>
+        <a:font script="Orya" typeface="Kalinga"/>
+        <a:font script="Mlym" typeface="Kartika"/>
+        <a:font script="Laoo" typeface="DokChampa"/>
+        <a:font script="Sinh" typeface="Iskoola Pota"/>
+        <a:font script="Mong" typeface="Mongolian Baiti"/>
+        <a:font script="Viet" typeface="Times New Roman"/>
+        <a:font script="Uigh" typeface="Microsoft Uighur"/>
+        <a:font script="Geor" typeface="Sylfaen"/>
+      </a:majorFont>
+      <a:minorFont>
+        <a:latin typeface="Arial"/>
+        <a:ea typeface=""/>
+        <a:cs typeface=""/>
+        <a:font script="Jpan" typeface="ＭＳ Ｐゴシック"/>
+        <a:font script="Hang" typeface="맑은 고딕"/>
+        <a:font script="Hans" typeface="宋体"/>
+        <a:font script="Hant" typeface="新細明體"/>
+        <a:font script="Arab" typeface="Arial"/>
+        <a:font script="Hebr" typeface="Arial"/>
+        <a:font script="Thai" typeface="Cordia New"/>
+        <a:font script="Ethi" typeface="Nyala"/>
+        <a:font script="Beng" typeface="Vrinda"/>
+        <a:font script="Gujr" typeface="Shruti"/>
+        <a:font script="Khmr" typeface="DaunPenh"/>
+        <a:font script="Knda" typeface="Tunga"/>
+        <a:font script="Guru" typeface="Raavi"/>
+        <a:font script="Cans" typeface="Euphemia"/>
+        <a:font script="Cher" typeface="Plantagenet Cherokee"/>
+        <a:font script="Yiii" typeface="Microsoft Yi Baiti"/>
+        <a:font script="Tibt" typeface="Microsoft Himalaya"/>
+        <a:font script="Thaa" typeface="MV Boli"/>
+        <a:font script="Deva" typeface="Mangal"/>
+        <a:font script="Telu" typeface="Gautami"/>
+        <a:font script="Taml" typeface="Latha"/>
+        <a:font script="Syrc" typeface="Estrangelo Edessa"/>
+        <a:font script="Orya" typeface="Kalinga"/>
+        <a:font script="Mlym" typeface="Kartika"/>
+        <a:font script="Laoo" typeface="DokChampa"/>
+        <a:font script="Sinh" typeface="Iskoola Pota"/>
+        <a:font script="Mong" typeface="Mongolian Baiti"/>
+        <a:font script="Viet" typeface="Arial"/>
+        <a:font script="Uigh" typeface="Microsoft Uighur"/>
+        <a:font script="Geor" typeface="Sylfaen"/>
+      </a:minorFont>
+    </a:fontScheme>
+    <a:fmtScheme name="Office">
+      <a:fillStyleLst>
+        <a:solidFill>
+          <a:schemeClr val="phClr"/>
+        </a:solidFill>
+        <a:gradFill rotWithShape="1">
+          <a:gsLst>
+            <a:gs pos="0">
+              <a:schemeClr val="phClr">
+                <a:tint val="50000"/>
+                <a:satMod val="300000"/>
+              </a:schemeClr>
+            </a:gs>
+            <a:gs pos="35000">
+              <a:schemeClr val="phClr">
+                <a:tint val="37000"/>
+                <a:satMod val="300000"/>
+              </a:schemeClr>
+            </a:gs>
+            <a:gs pos="100000">
+              <a:schemeClr val="phClr">
+                <a:tint val="15000"/>
+                <a:satMod val="350000"/>
+              </a:schemeClr>
+            </a:gs>
+          </a:gsLst>
+          <a:lin ang="16200000" scaled="1"/>
+        </a:gradFill>
+        <a:gradFill rotWithShape="1">
+          <a:gsLst>
+            <a:gs pos="0">
+              <a:schemeClr val="phClr">
+                <a:tint val="100000"/>
+                <a:shade val="100000"/>
+                <a:satMod val="130000"/>
+              </a:schemeClr>
+            </a:gs>
+            <a:gs pos="100000">
+              <a:schemeClr val="phClr">
+                <a:tint val="50000"/>
+                <a:shade val="100000"/>
+                <a:satMod val="350000"/>
+              </a:schemeClr>
+            </a:gs>
+          </a:gsLst>
+          <a:lin ang="16200000" scaled="0"/>
+        </a:gradFill>
+      </a:fillStyleLst>
+      <a:lnStyleLst>
+        <a:ln w="9525" cap="flat" cmpd="sng" algn="ctr">
+          <a:solidFill>
+            <a:schemeClr val="phClr">
+              <a:shade val="95000"/>
+              <a:satMod val="105000"/>
+            </a:schemeClr>
+          </a:solidFill>
+          <a:prstDash val="solid"/>
+        </a:ln>
+        <a:ln w="25400" cap="flat" cmpd="sng" algn="ctr">
+          <a:solidFill>
+            <a:schemeClr val="phClr"/>
+          </a:solidFill>
+          <a:prstDash val="solid"/>
+        </a:ln>
+        <a:ln w="38100" cap="flat" cmpd="sng" algn="ctr">
+          <a:solidFill>
+            <a:schemeClr val="phClr"/>
+          </a:solidFill>
+          <a:prstDash val="solid"/>
+        </a:ln>
+      </a:lnStyleLst>
+      <a:effectStyleLst>
+        <a:effectStyle>
+          <a:effectLst>
+            <a:outerShdw blurRad="40000" dist="20000" dir="5400000" rotWithShape="0">
+              <a:srgbClr val="000000">
+                <a:alpha val="38000"/>
+              </a:srgbClr>
+            </a:outerShdw>
+          </a:effectLst>
+        </a:effectStyle>
+        <a:effectStyle>
+          <a:effectLst>
+            <a:outerShdw blurRad="40000" dist="23000" dir="5400000" rotWithShape="0">
+              <a:srgbClr val="000000">
+                <a:alpha val="35000"/>
+              </a:srgbClr>
+            </a:outerShdw>
+          </a:effectLst>
+        </a:effectStyle>
+        <a:effectStyle>
+          <a:effectLst>
+            <a:outerShdw blurRad="40000" dist="23000" dir="5400000" rotWithShape="0">
+              <a:srgbClr val="000000">
+                <a:alpha val="35000"/>
+              </a:srgbClr>
+            </a:outerShdw>
+          </a:effectLst>
+          <a:scene3d>
+            <a:camera prst="orthographicFront">
+              <a:rot lat="0" lon="0" rev="0"/>
+            </a:camera>
+            <a:lightRig rig="threePt" dir="t">
+              <a:rot lat="0" lon="0" rev="1200000"/>
+            </a:lightRig>
+          </a:scene3d>
+          <a:sp3d>
+            <a:bevelT w="63500" h="25400"/>
+          </a:sp3d>
+        </a:effectStyle>
+      </a:effectStyleLst>
+      <a:bgFillStyleLst>
+        <a:solidFill>
+          <a:schemeClr val="phClr"/>
+        </a:solidFill>
+        <a:gradFill rotWithShape="1">
+          <a:gsLst>
+            <a:gs pos="0">
+              <a:schemeClr val="phClr">
+                <a:tint val="40000"/>
+                <a:satMod val="350000"/>
+              </a:schemeClr>
+            </a:gs>
+            <a:gs pos="40000">
+              <a:schemeClr val="phClr">
+                <a:tint val="45000"/>
+                <a:shade val="99000"/>
+                <a:satMod val="350000"/>
+              </a:schemeClr>
+            </a:gs>
+            <a:gs pos="100000">
+              <a:schemeClr val="phClr">
+                <a:shade val="20000"/>
+                <a:satMod val="255000"/>
+              </a:schemeClr>
+            </a:gs>
+          </a:gsLst>
+          <a:path path="circle">
+            <a:fillToRect l="50000" t="-80000" r="50000" b="180000"/>
+          </a:path>
+        </a:gradFill>
+        <a:gradFill rotWithShape="1">
+          <a:gsLst>
+            <a:gs pos="0">
+              <a:schemeClr val="phClr">
+                <a:tint val="80000"/>
+                <a:satMod val="300000"/>
+              </a:schemeClr>
+            </a:gs>
+            <a:gs pos="100000">
+              <a:schemeClr val="phClr">
+                <a:shade val="30000"/>
+                <a:satMod val="200000"/>
+              </a:schemeClr>
+            </a:gs>
+          </a:gsLst>
+          <a:path path="circle">
+            <a:fillToRect l="50000" t="50000" r="50000" b="50000"/>
+          </a:path>
+        </a:gradFill>
+      </a:bgFillStyleLst>
+    </a:fmtScheme>
+  </a:themeElements>
+</a:theme>
+</file>
+
+<file path=ppt/theme/theme2.xml><?xml version="1.0" encoding="utf-8"?>
 <a:theme xmlns:a="http://schemas.openxmlformats.org/drawingml/2006/main" xmlns:r="http://schemas.openxmlformats.org/officeDocument/2006/relationships" name="Simple Light">
   <a:themeElements>
     <a:clrScheme name="Simple Light">
@@ -8610,283 +8889,4 @@
     </a:fmtScheme>
   </a:themeElements>
 </a:theme>
-</file>
-
-<file path=ppt/theme/theme2.xml><?xml version="1.0" encoding="utf-8"?>
-<a:theme xmlns:a="http://schemas.openxmlformats.org/drawingml/2006/main" xmlns:r="http://schemas.openxmlformats.org/officeDocument/2006/relationships">
-  <a:themeElements>
-    <a:clrScheme name="Default">
-      <a:dk1>
-        <a:srgbClr val="000000"/>
-      </a:dk1>
-      <a:lt1>
-        <a:srgbClr val="FFFFFF"/>
-      </a:lt1>
-      <a:dk2>
-        <a:srgbClr val="158158"/>
-      </a:dk2>
-      <a:lt2>
-        <a:srgbClr val="F3F3F3"/>
-      </a:lt2>
-      <a:accent1>
-        <a:srgbClr val="058DC7"/>
-      </a:accent1>
-      <a:accent2>
-        <a:srgbClr val="50B432"/>
-      </a:accent2>
-      <a:accent3>
-        <a:srgbClr val="ED561B"/>
-      </a:accent3>
-      <a:accent4>
-        <a:srgbClr val="EDEF00"/>
-      </a:accent4>
-      <a:accent5>
-        <a:srgbClr val="24CBE5"/>
-      </a:accent5>
-      <a:accent6>
-        <a:srgbClr val="64E572"/>
-      </a:accent6>
-      <a:hlink>
-        <a:srgbClr val="2200CC"/>
-      </a:hlink>
-      <a:folHlink>
-        <a:srgbClr val="551A8B"/>
-      </a:folHlink>
-    </a:clrScheme>
-    <a:fontScheme name="Office">
-      <a:majorFont>
-        <a:latin typeface="Arial"/>
-        <a:ea typeface=""/>
-        <a:cs typeface=""/>
-        <a:font script="Jpan" typeface="ＭＳ Ｐゴシック"/>
-        <a:font script="Hang" typeface="맑은 고딕"/>
-        <a:font script="Hans" typeface="宋体"/>
-        <a:font script="Hant" typeface="新細明體"/>
-        <a:font script="Arab" typeface="Times New Roman"/>
-        <a:font script="Hebr" typeface="Times New Roman"/>
-        <a:font script="Thai" typeface="Angsana New"/>
-        <a:font script="Ethi" typeface="Nyala"/>
-        <a:font script="Beng" typeface="Vrinda"/>
-        <a:font script="Gujr" typeface="Shruti"/>
-        <a:font script="Khmr" typeface="MoolBoran"/>
-        <a:font script="Knda" typeface="Tunga"/>
-        <a:font script="Guru" typeface="Raavi"/>
-        <a:font script="Cans" typeface="Euphemia"/>
-        <a:font script="Cher" typeface="Plantagenet Cherokee"/>
-        <a:font script="Yiii" typeface="Microsoft Yi Baiti"/>
-        <a:font script="Tibt" typeface="Microsoft Himalaya"/>
-        <a:font script="Thaa" typeface="MV Boli"/>
-        <a:font script="Deva" typeface="Mangal"/>
-        <a:font script="Telu" typeface="Gautami"/>
-        <a:font script="Taml" typeface="Latha"/>
-        <a:font script="Syrc" typeface="Estrangelo Edessa"/>
-        <a:font script="Orya" typeface="Kalinga"/>
-        <a:font script="Mlym" typeface="Kartika"/>
-        <a:font script="Laoo" typeface="DokChampa"/>
-        <a:font script="Sinh" typeface="Iskoola Pota"/>
-        <a:font script="Mong" typeface="Mongolian Baiti"/>
-        <a:font script="Viet" typeface="Times New Roman"/>
-        <a:font script="Uigh" typeface="Microsoft Uighur"/>
-        <a:font script="Geor" typeface="Sylfaen"/>
-      </a:majorFont>
-      <a:minorFont>
-        <a:latin typeface="Arial"/>
-        <a:ea typeface=""/>
-        <a:cs typeface=""/>
-        <a:font script="Jpan" typeface="ＭＳ Ｐゴシック"/>
-        <a:font script="Hang" typeface="맑은 고딕"/>
-        <a:font script="Hans" typeface="宋体"/>
-        <a:font script="Hant" typeface="新細明體"/>
-        <a:font script="Arab" typeface="Arial"/>
-        <a:font script="Hebr" typeface="Arial"/>
-        <a:font script="Thai" typeface="Cordia New"/>
-        <a:font script="Ethi" typeface="Nyala"/>
-        <a:font script="Beng" typeface="Vrinda"/>
-        <a:font script="Gujr" typeface="Shruti"/>
-        <a:font script="Khmr" typeface="DaunPenh"/>
-        <a:font script="Knda" typeface="Tunga"/>
-        <a:font script="Guru" typeface="Raavi"/>
-        <a:font script="Cans" typeface="Euphemia"/>
-        <a:font script="Cher" typeface="Plantagenet Cherokee"/>
-        <a:font script="Yiii" typeface="Microsoft Yi Baiti"/>
-        <a:font script="Tibt" typeface="Microsoft Himalaya"/>
-        <a:font script="Thaa" typeface="MV Boli"/>
-        <a:font script="Deva" typeface="Mangal"/>
-        <a:font script="Telu" typeface="Gautami"/>
-        <a:font script="Taml" typeface="Latha"/>
-        <a:font script="Syrc" typeface="Estrangelo Edessa"/>
-        <a:font script="Orya" typeface="Kalinga"/>
-        <a:font script="Mlym" typeface="Kartika"/>
-        <a:font script="Laoo" typeface="DokChampa"/>
-        <a:font script="Sinh" typeface="Iskoola Pota"/>
-        <a:font script="Mong" typeface="Mongolian Baiti"/>
-        <a:font script="Viet" typeface="Arial"/>
-        <a:font script="Uigh" typeface="Microsoft Uighur"/>
-        <a:font script="Geor" typeface="Sylfaen"/>
-      </a:minorFont>
-    </a:fontScheme>
-    <a:fmtScheme name="Office">
-      <a:fillStyleLst>
-        <a:solidFill>
-          <a:schemeClr val="phClr"/>
-        </a:solidFill>
-        <a:gradFill rotWithShape="1">
-          <a:gsLst>
-            <a:gs pos="0">
-              <a:schemeClr val="phClr">
-                <a:tint val="50000"/>
-                <a:satMod val="300000"/>
-              </a:schemeClr>
-            </a:gs>
-            <a:gs pos="35000">
-              <a:schemeClr val="phClr">
-                <a:tint val="37000"/>
-                <a:satMod val="300000"/>
-              </a:schemeClr>
-            </a:gs>
-            <a:gs pos="100000">
-              <a:schemeClr val="phClr">
-                <a:tint val="15000"/>
-                <a:satMod val="350000"/>
-              </a:schemeClr>
-            </a:gs>
-          </a:gsLst>
-          <a:lin ang="16200000" scaled="1"/>
-        </a:gradFill>
-        <a:gradFill rotWithShape="1">
-          <a:gsLst>
-            <a:gs pos="0">
-              <a:schemeClr val="phClr">
-                <a:tint val="100000"/>
-                <a:shade val="100000"/>
-                <a:satMod val="130000"/>
-              </a:schemeClr>
-            </a:gs>
-            <a:gs pos="100000">
-              <a:schemeClr val="phClr">
-                <a:tint val="50000"/>
-                <a:shade val="100000"/>
-                <a:satMod val="350000"/>
-              </a:schemeClr>
-            </a:gs>
-          </a:gsLst>
-          <a:lin ang="16200000" scaled="0"/>
-        </a:gradFill>
-      </a:fillStyleLst>
-      <a:lnStyleLst>
-        <a:ln w="9525" cap="flat" cmpd="sng" algn="ctr">
-          <a:solidFill>
-            <a:schemeClr val="phClr">
-              <a:shade val="95000"/>
-              <a:satMod val="105000"/>
-            </a:schemeClr>
-          </a:solidFill>
-          <a:prstDash val="solid"/>
-        </a:ln>
-        <a:ln w="25400" cap="flat" cmpd="sng" algn="ctr">
-          <a:solidFill>
-            <a:schemeClr val="phClr"/>
-          </a:solidFill>
-          <a:prstDash val="solid"/>
-        </a:ln>
-        <a:ln w="38100" cap="flat" cmpd="sng" algn="ctr">
-          <a:solidFill>
-            <a:schemeClr val="phClr"/>
-          </a:solidFill>
-          <a:prstDash val="solid"/>
-        </a:ln>
-      </a:lnStyleLst>
-      <a:effectStyleLst>
-        <a:effectStyle>
-          <a:effectLst>
-            <a:outerShdw blurRad="40000" dist="20000" dir="5400000" rotWithShape="0">
-              <a:srgbClr val="000000">
-                <a:alpha val="38000"/>
-              </a:srgbClr>
-            </a:outerShdw>
-          </a:effectLst>
-        </a:effectStyle>
-        <a:effectStyle>
-          <a:effectLst>
-            <a:outerShdw blurRad="40000" dist="23000" dir="5400000" rotWithShape="0">
-              <a:srgbClr val="000000">
-                <a:alpha val="35000"/>
-              </a:srgbClr>
-            </a:outerShdw>
-          </a:effectLst>
-        </a:effectStyle>
-        <a:effectStyle>
-          <a:effectLst>
-            <a:outerShdw blurRad="40000" dist="23000" dir="5400000" rotWithShape="0">
-              <a:srgbClr val="000000">
-                <a:alpha val="35000"/>
-              </a:srgbClr>
-            </a:outerShdw>
-          </a:effectLst>
-          <a:scene3d>
-            <a:camera prst="orthographicFront">
-              <a:rot lat="0" lon="0" rev="0"/>
-            </a:camera>
-            <a:lightRig rig="threePt" dir="t">
-              <a:rot lat="0" lon="0" rev="1200000"/>
-            </a:lightRig>
-          </a:scene3d>
-          <a:sp3d>
-            <a:bevelT w="63500" h="25400"/>
-          </a:sp3d>
-        </a:effectStyle>
-      </a:effectStyleLst>
-      <a:bgFillStyleLst>
-        <a:solidFill>
-          <a:schemeClr val="phClr"/>
-        </a:solidFill>
-        <a:gradFill rotWithShape="1">
-          <a:gsLst>
-            <a:gs pos="0">
-              <a:schemeClr val="phClr">
-                <a:tint val="40000"/>
-                <a:satMod val="350000"/>
-              </a:schemeClr>
-            </a:gs>
-            <a:gs pos="40000">
-              <a:schemeClr val="phClr">
-                <a:tint val="45000"/>
-                <a:shade val="99000"/>
-                <a:satMod val="350000"/>
-              </a:schemeClr>
-            </a:gs>
-            <a:gs pos="100000">
-              <a:schemeClr val="phClr">
-                <a:shade val="20000"/>
-                <a:satMod val="255000"/>
-              </a:schemeClr>
-            </a:gs>
-          </a:gsLst>
-          <a:path path="circle">
-            <a:fillToRect l="50000" t="-80000" r="50000" b="180000"/>
-          </a:path>
-        </a:gradFill>
-        <a:gradFill rotWithShape="1">
-          <a:gsLst>
-            <a:gs pos="0">
-              <a:schemeClr val="phClr">
-                <a:tint val="80000"/>
-                <a:satMod val="300000"/>
-              </a:schemeClr>
-            </a:gs>
-            <a:gs pos="100000">
-              <a:schemeClr val="phClr">
-                <a:shade val="30000"/>
-                <a:satMod val="200000"/>
-              </a:schemeClr>
-            </a:gs>
-          </a:gsLst>
-          <a:path path="circle">
-            <a:fillToRect l="50000" t="50000" r="50000" b="50000"/>
-          </a:path>
-        </a:gradFill>
-      </a:bgFillStyleLst>
-    </a:fmtScheme>
-  </a:themeElements>
-</a:theme>
 </file>
--- a/manuscript/figures/jax_dips_paper_v2.pptx
+++ b/manuscript/figures/jax_dips_paper_v2.pptx
@@ -791,7 +791,7 @@
   <p:cSld>
     <p:spTree>
       <p:nvGrpSpPr>
-        <p:cNvPr id="94" name="Shape 94"/>
+        <p:cNvPr id="103" name="Shape 103"/>
         <p:cNvGrpSpPr/>
         <p:nvPr/>
       </p:nvGrpSpPr>
@@ -805,7 +805,7 @@
       </p:grpSpPr>
       <p:sp>
         <p:nvSpPr>
-          <p:cNvPr id="95" name="Google Shape;95;g14a792cd4f1_0_0:notes"/>
+          <p:cNvPr id="104" name="Google Shape;104;g14a792cd4f1_0_0:notes"/>
           <p:cNvSpPr/>
           <p:nvPr>
             <p:ph idx="2" type="sldImg"/>
@@ -840,7 +840,7 @@
       </p:sp>
       <p:sp>
         <p:nvSpPr>
-          <p:cNvPr id="96" name="Google Shape;96;g14a792cd4f1_0_0:notes"/>
+          <p:cNvPr id="105" name="Google Shape;105;g14a792cd4f1_0_0:notes"/>
           <p:cNvSpPr txBox="1"/>
           <p:nvPr>
             <p:ph idx="1" type="body"/>
@@ -5559,106 +5559,22 @@
         </p:nvGrpSpPr>
         <p:grpSpPr>
           <a:xfrm>
-            <a:off x="232186" y="106509"/>
-            <a:ext cx="8679628" cy="4858808"/>
-            <a:chOff x="480953" y="513367"/>
-            <a:chExt cx="7308545" cy="3962816"/>
+            <a:off x="6238136" y="111850"/>
+            <a:ext cx="2617589" cy="1273060"/>
+            <a:chOff x="6024286" y="2066700"/>
+            <a:chExt cx="2617589" cy="1273060"/>
           </a:xfrm>
         </p:grpSpPr>
         <p:sp>
           <p:nvSpPr>
             <p:cNvPr id="55" name="Google Shape;55;p13"/>
-            <p:cNvSpPr txBox="1"/>
-            <p:nvPr/>
-          </p:nvSpPr>
-          <p:spPr>
-            <a:xfrm>
-              <a:off x="495188" y="3486025"/>
-              <a:ext cx="1775100" cy="301200"/>
-            </a:xfrm>
-            <a:prstGeom prst="rect">
-              <a:avLst/>
-            </a:prstGeom>
-            <a:noFill/>
-            <a:ln>
-              <a:noFill/>
-            </a:ln>
-          </p:spPr>
-          <p:txBody>
-            <a:bodyPr anchorCtr="0" anchor="t" bIns="91425" lIns="91425" spcFirstLastPara="1" rIns="91425" wrap="square" tIns="91425">
-              <a:spAutoFit/>
-            </a:bodyPr>
-            <a:lstStyle/>
-            <a:p>
-              <a:pPr indent="0" lvl="0" marL="0" rtl="0" algn="ctr">
-                <a:spcBef>
-                  <a:spcPts val="0"/>
-                </a:spcBef>
-                <a:spcAft>
-                  <a:spcPts val="0"/>
-                </a:spcAft>
-                <a:buNone/>
-              </a:pPr>
-              <a:r>
-                <a:rPr lang="en" sz="1200"/>
-                <a:t>Mesh</a:t>
-              </a:r>
-              <a:endParaRPr sz="1200"/>
-            </a:p>
-          </p:txBody>
-        </p:sp>
-        <p:sp>
-          <p:nvSpPr>
-            <p:cNvPr id="56" name="Google Shape;56;p13"/>
-            <p:cNvSpPr txBox="1"/>
-            <p:nvPr/>
-          </p:nvSpPr>
-          <p:spPr>
-            <a:xfrm>
-              <a:off x="3223825" y="2905049"/>
-              <a:ext cx="1552200" cy="301200"/>
-            </a:xfrm>
-            <a:prstGeom prst="rect">
-              <a:avLst/>
-            </a:prstGeom>
-            <a:noFill/>
-            <a:ln>
-              <a:noFill/>
-            </a:ln>
-          </p:spPr>
-          <p:txBody>
-            <a:bodyPr anchorCtr="0" anchor="t" bIns="91425" lIns="91425" spcFirstLastPara="1" rIns="91425" wrap="square" tIns="91425">
-              <a:spAutoFit/>
-            </a:bodyPr>
-            <a:lstStyle/>
-            <a:p>
-              <a:pPr indent="0" lvl="0" marL="0" rtl="0" algn="ctr">
-                <a:spcBef>
-                  <a:spcPts val="0"/>
-                </a:spcBef>
-                <a:spcAft>
-                  <a:spcPts val="0"/>
-                </a:spcAft>
-                <a:buNone/>
-              </a:pPr>
-              <a:r>
-                <a:rPr lang="en" sz="1200"/>
-                <a:t>Surrogate Neural Model</a:t>
-              </a:r>
-              <a:endParaRPr sz="1200"/>
-            </a:p>
-          </p:txBody>
-        </p:sp>
-        <p:sp>
-          <p:nvSpPr>
-            <p:cNvPr id="57" name="Google Shape;57;p13"/>
             <p:cNvSpPr/>
             <p:nvPr/>
           </p:nvSpPr>
           <p:spPr>
             <a:xfrm>
-              <a:off x="5358100" y="2112088"/>
-              <a:ext cx="2204100" cy="1038300"/>
+              <a:off x="6024286" y="2066700"/>
+              <a:ext cx="2617589" cy="1273060"/>
             </a:xfrm>
             <a:prstGeom prst="roundRect">
               <a:avLst>
@@ -5696,21 +5612,21 @@
         </p:sp>
         <p:grpSp>
           <p:nvGrpSpPr>
-            <p:cNvPr id="58" name="Google Shape;58;p13"/>
+            <p:cNvPr id="56" name="Google Shape;56;p13"/>
             <p:cNvGrpSpPr/>
             <p:nvPr/>
           </p:nvGrpSpPr>
           <p:grpSpPr>
             <a:xfrm>
-              <a:off x="5447816" y="2149573"/>
-              <a:ext cx="2030272" cy="971785"/>
+              <a:off x="6130833" y="2112660"/>
+              <a:ext cx="2411151" cy="1191506"/>
               <a:chOff x="2056375" y="1574400"/>
               <a:chExt cx="3570650" cy="1541538"/>
             </a:xfrm>
           </p:grpSpPr>
           <p:grpSp>
             <p:nvGrpSpPr>
-              <p:cNvPr id="59" name="Google Shape;59;p13"/>
+              <p:cNvPr id="57" name="Google Shape;57;p13"/>
               <p:cNvGrpSpPr/>
               <p:nvPr/>
             </p:nvGrpSpPr>
@@ -5724,7 +5640,7 @@
             </p:grpSpPr>
             <p:pic>
               <p:nvPicPr>
-                <p:cNvPr id="60" name="Google Shape;60;p13"/>
+                <p:cNvPr id="58" name="Google Shape;58;p13"/>
                 <p:cNvPicPr preferRelativeResize="0"/>
                 <p:nvPr/>
               </p:nvPicPr>
@@ -5752,7 +5668,7 @@
             </p:pic>
             <p:grpSp>
               <p:nvGrpSpPr>
-                <p:cNvPr id="61" name="Google Shape;61;p13"/>
+                <p:cNvPr id="59" name="Google Shape;59;p13"/>
                 <p:cNvGrpSpPr/>
                 <p:nvPr/>
               </p:nvGrpSpPr>
@@ -5766,7 +5682,7 @@
               </p:grpSpPr>
               <p:pic>
                 <p:nvPicPr>
-                  <p:cNvPr id="62" name="Google Shape;62;p13"/>
+                  <p:cNvPr id="60" name="Google Shape;60;p13"/>
                   <p:cNvPicPr preferRelativeResize="0"/>
                   <p:nvPr/>
                 </p:nvPicPr>
@@ -5800,7 +5716,7 @@
               </p:pic>
               <p:pic>
                 <p:nvPicPr>
-                  <p:cNvPr id="63" name="Google Shape;63;p13"/>
+                  <p:cNvPr id="61" name="Google Shape;61;p13"/>
                   <p:cNvPicPr preferRelativeResize="0"/>
                   <p:nvPr/>
                 </p:nvPicPr>
@@ -5834,7 +5750,7 @@
               </p:pic>
               <p:pic>
                 <p:nvPicPr>
-                  <p:cNvPr id="64" name="Google Shape;64;p13"/>
+                  <p:cNvPr id="62" name="Google Shape;62;p13"/>
                   <p:cNvPicPr preferRelativeResize="0"/>
                   <p:nvPr/>
                 </p:nvPicPr>
@@ -5869,7 +5785,7 @@
             </p:grpSp>
             <p:grpSp>
               <p:nvGrpSpPr>
-                <p:cNvPr id="65" name="Google Shape;65;p13"/>
+                <p:cNvPr id="63" name="Google Shape;63;p13"/>
                 <p:cNvGrpSpPr/>
                 <p:nvPr/>
               </p:nvGrpSpPr>
@@ -5883,7 +5799,7 @@
               </p:grpSpPr>
               <p:pic>
                 <p:nvPicPr>
-                  <p:cNvPr id="66" name="Google Shape;66;p13"/>
+                  <p:cNvPr id="64" name="Google Shape;64;p13"/>
                   <p:cNvPicPr preferRelativeResize="0"/>
                   <p:nvPr/>
                 </p:nvPicPr>
@@ -5910,7 +5826,7 @@
               </p:pic>
               <p:pic>
                 <p:nvPicPr>
-                  <p:cNvPr id="67" name="Google Shape;67;p13"/>
+                  <p:cNvPr id="65" name="Google Shape;65;p13"/>
                   <p:cNvPicPr preferRelativeResize="0"/>
                   <p:nvPr/>
                 </p:nvPicPr>
@@ -5937,7 +5853,7 @@
               </p:pic>
               <p:pic>
                 <p:nvPicPr>
-                  <p:cNvPr id="68" name="Google Shape;68;p13"/>
+                  <p:cNvPr id="66" name="Google Shape;66;p13"/>
                   <p:cNvPicPr preferRelativeResize="0"/>
                   <p:nvPr/>
                 </p:nvPicPr>
@@ -5965,7 +5881,7 @@
             </p:grpSp>
             <p:sp>
               <p:nvSpPr>
-                <p:cNvPr id="69" name="Google Shape;69;p13"/>
+                <p:cNvPr id="67" name="Google Shape;67;p13"/>
                 <p:cNvSpPr/>
                 <p:nvPr/>
               </p:nvSpPr>
@@ -6011,7 +5927,7 @@
           </p:grpSp>
           <p:grpSp>
             <p:nvGrpSpPr>
-              <p:cNvPr id="70" name="Google Shape;70;p13"/>
+              <p:cNvPr id="68" name="Google Shape;68;p13"/>
               <p:cNvGrpSpPr/>
               <p:nvPr/>
             </p:nvGrpSpPr>
@@ -6025,7 +5941,7 @@
             </p:grpSpPr>
             <p:cxnSp>
               <p:nvCxnSpPr>
-                <p:cNvPr id="71" name="Google Shape;71;p13"/>
+                <p:cNvPr id="69" name="Google Shape;69;p13"/>
                 <p:cNvCxnSpPr/>
                 <p:nvPr/>
               </p:nvCxnSpPr>
@@ -6051,7 +5967,7 @@
             </p:cxnSp>
             <p:cxnSp>
               <p:nvCxnSpPr>
-                <p:cNvPr id="72" name="Google Shape;72;p13"/>
+                <p:cNvPr id="70" name="Google Shape;70;p13"/>
                 <p:cNvCxnSpPr/>
                 <p:nvPr/>
               </p:nvCxnSpPr>
@@ -6078,7 +5994,7 @@
           </p:grpSp>
           <p:grpSp>
             <p:nvGrpSpPr>
-              <p:cNvPr id="73" name="Google Shape;73;p13"/>
+              <p:cNvPr id="71" name="Google Shape;71;p13"/>
               <p:cNvGrpSpPr/>
               <p:nvPr/>
             </p:nvGrpSpPr>
@@ -6092,7 +6008,7 @@
             </p:grpSpPr>
             <p:cxnSp>
               <p:nvCxnSpPr>
-                <p:cNvPr id="74" name="Google Shape;74;p13"/>
+                <p:cNvPr id="72" name="Google Shape;72;p13"/>
                 <p:cNvCxnSpPr/>
                 <p:nvPr/>
               </p:nvCxnSpPr>
@@ -6118,1131 +6034,7 @@
             </p:cxnSp>
             <p:cxnSp>
               <p:nvCxnSpPr>
-                <p:cNvPr id="75" name="Google Shape;75;p13"/>
-                <p:cNvCxnSpPr/>
-                <p:nvPr/>
-              </p:nvCxnSpPr>
-              <p:spPr>
-                <a:xfrm>
-                  <a:off x="2111125" y="1620663"/>
-                  <a:ext cx="0" cy="1449000"/>
-                </a:xfrm>
-                <a:prstGeom prst="straightConnector1">
-                  <a:avLst/>
-                </a:prstGeom>
-                <a:noFill/>
-                <a:ln cap="flat" cmpd="sng" w="9525">
-                  <a:solidFill>
-                    <a:srgbClr val="595959"/>
-                  </a:solidFill>
-                  <a:prstDash val="solid"/>
-                  <a:round/>
-                  <a:headEnd len="med" w="med" type="none"/>
-                  <a:tailEnd len="med" w="med" type="none"/>
-                </a:ln>
-              </p:spPr>
-            </p:cxnSp>
-          </p:grpSp>
-        </p:grpSp>
-        <p:sp>
-          <p:nvSpPr>
-            <p:cNvPr id="76" name="Google Shape;76;p13"/>
-            <p:cNvSpPr txBox="1"/>
-            <p:nvPr/>
-          </p:nvSpPr>
-          <p:spPr>
-            <a:xfrm>
-              <a:off x="3151073" y="513367"/>
-              <a:ext cx="1775100" cy="301200"/>
-            </a:xfrm>
-            <a:prstGeom prst="rect">
-              <a:avLst/>
-            </a:prstGeom>
-            <a:noFill/>
-            <a:ln>
-              <a:noFill/>
-            </a:ln>
-          </p:spPr>
-          <p:txBody>
-            <a:bodyPr anchorCtr="0" anchor="t" bIns="91425" lIns="91425" spcFirstLastPara="1" rIns="91425" wrap="square" tIns="91425">
-              <a:spAutoFit/>
-            </a:bodyPr>
-            <a:lstStyle/>
-            <a:p>
-              <a:pPr indent="0" lvl="0" marL="0" rtl="0" algn="ctr">
-                <a:spcBef>
-                  <a:spcPts val="0"/>
-                </a:spcBef>
-                <a:spcAft>
-                  <a:spcPts val="0"/>
-                </a:spcAft>
-                <a:buNone/>
-              </a:pPr>
-              <a:r>
-                <a:rPr lang="en" sz="1200"/>
-                <a:t>Assemble Linear System</a:t>
-              </a:r>
-              <a:endParaRPr sz="1200"/>
-            </a:p>
-          </p:txBody>
-        </p:sp>
-        <p:cxnSp>
-          <p:nvCxnSpPr>
-            <p:cNvPr id="77" name="Google Shape;77;p13"/>
-            <p:cNvCxnSpPr>
-              <a:stCxn id="78" idx="3"/>
-              <a:endCxn id="64" idx="2"/>
-            </p:cNvCxnSpPr>
-            <p:nvPr/>
-          </p:nvCxnSpPr>
-          <p:spPr>
-            <a:xfrm flipH="1" rot="10800000">
-              <a:off x="4776025" y="3096302"/>
-              <a:ext cx="1830300" cy="608700"/>
-            </a:xfrm>
-            <a:prstGeom prst="bentConnector2">
-              <a:avLst/>
-            </a:prstGeom>
-            <a:noFill/>
-            <a:ln cap="flat" cmpd="sng" w="28575">
-              <a:solidFill>
-                <a:srgbClr val="CC0000"/>
-              </a:solidFill>
-              <a:prstDash val="solid"/>
-              <a:round/>
-              <a:headEnd len="med" w="med" type="none"/>
-              <a:tailEnd len="med" w="med" type="stealth"/>
-            </a:ln>
-          </p:spPr>
-        </p:cxnSp>
-        <p:cxnSp>
-          <p:nvCxnSpPr>
-            <p:cNvPr id="79" name="Google Shape;79;p13"/>
-            <p:cNvCxnSpPr>
-              <a:stCxn id="80" idx="3"/>
-              <a:endCxn id="60" idx="0"/>
-            </p:cNvCxnSpPr>
-            <p:nvPr/>
-          </p:nvCxnSpPr>
-          <p:spPr>
-            <a:xfrm>
-              <a:off x="4998873" y="1815790"/>
-              <a:ext cx="975900" cy="334500"/>
-            </a:xfrm>
-            <a:prstGeom prst="bentConnector2">
-              <a:avLst/>
-            </a:prstGeom>
-            <a:noFill/>
-            <a:ln cap="flat" cmpd="sng" w="19050">
-              <a:solidFill>
-                <a:srgbClr val="595959"/>
-              </a:solidFill>
-              <a:prstDash val="solid"/>
-              <a:round/>
-              <a:headEnd len="med" w="med" type="none"/>
-              <a:tailEnd len="med" w="med" type="stealth"/>
-            </a:ln>
-          </p:spPr>
-        </p:cxnSp>
-        <p:cxnSp>
-          <p:nvCxnSpPr>
-            <p:cNvPr id="81" name="Google Shape;81;p13"/>
-            <p:cNvCxnSpPr>
-              <a:stCxn id="80" idx="3"/>
-              <a:endCxn id="68" idx="0"/>
-            </p:cNvCxnSpPr>
-            <p:nvPr/>
-          </p:nvCxnSpPr>
-          <p:spPr>
-            <a:xfrm>
-              <a:off x="4998829" y="1815616"/>
-              <a:ext cx="2214000" cy="360300"/>
-            </a:xfrm>
-            <a:prstGeom prst="bentConnector2">
-              <a:avLst/>
-            </a:prstGeom>
-            <a:noFill/>
-            <a:ln cap="flat" cmpd="sng" w="19050">
-              <a:solidFill>
-                <a:srgbClr val="595959"/>
-              </a:solidFill>
-              <a:prstDash val="solid"/>
-              <a:round/>
-              <a:headEnd len="med" w="med" type="none"/>
-              <a:tailEnd len="med" w="med" type="stealth"/>
-            </a:ln>
-          </p:spPr>
-        </p:cxnSp>
-        <p:cxnSp>
-          <p:nvCxnSpPr>
-            <p:cNvPr id="82" name="Google Shape;82;p13"/>
-            <p:cNvCxnSpPr>
-              <a:stCxn id="83" idx="3"/>
-              <a:endCxn id="84" idx="1"/>
-            </p:cNvCxnSpPr>
-            <p:nvPr/>
-          </p:nvCxnSpPr>
-          <p:spPr>
-            <a:xfrm flipH="1" rot="10800000">
-              <a:off x="2284528" y="1742250"/>
-              <a:ext cx="882600" cy="829500"/>
-            </a:xfrm>
-            <a:prstGeom prst="bentConnector3">
-              <a:avLst>
-                <a:gd fmla="val 52627" name="adj1"/>
-              </a:avLst>
-            </a:prstGeom>
-            <a:noFill/>
-            <a:ln cap="flat" cmpd="sng" w="19050">
-              <a:solidFill>
-                <a:srgbClr val="595959"/>
-              </a:solidFill>
-              <a:prstDash val="solid"/>
-              <a:round/>
-              <a:headEnd len="med" w="med" type="none"/>
-              <a:tailEnd len="med" w="med" type="stealth"/>
-            </a:ln>
-          </p:spPr>
-        </p:cxnSp>
-        <p:cxnSp>
-          <p:nvCxnSpPr>
-            <p:cNvPr id="85" name="Google Shape;85;p13"/>
-            <p:cNvCxnSpPr>
-              <a:stCxn id="83" idx="3"/>
-              <a:endCxn id="86" idx="1"/>
-            </p:cNvCxnSpPr>
-            <p:nvPr/>
-          </p:nvCxnSpPr>
-          <p:spPr>
-            <a:xfrm>
-              <a:off x="2284528" y="2571750"/>
-              <a:ext cx="939300" cy="1211400"/>
-            </a:xfrm>
-            <a:prstGeom prst="bentConnector3">
-              <a:avLst>
-                <a:gd fmla="val 48948" name="adj1"/>
-              </a:avLst>
-            </a:prstGeom>
-            <a:noFill/>
-            <a:ln cap="flat" cmpd="sng" w="19050">
-              <a:solidFill>
-                <a:srgbClr val="595959"/>
-              </a:solidFill>
-              <a:prstDash val="solid"/>
-              <a:round/>
-              <a:headEnd len="med" w="med" type="none"/>
-              <a:tailEnd len="med" w="med" type="stealth"/>
-            </a:ln>
-          </p:spPr>
-        </p:cxnSp>
-        <p:cxnSp>
-          <p:nvCxnSpPr>
-            <p:cNvPr id="87" name="Google Shape;87;p13"/>
-            <p:cNvCxnSpPr>
-              <a:stCxn id="57" idx="3"/>
-              <a:endCxn id="86" idx="2"/>
-            </p:cNvCxnSpPr>
-            <p:nvPr/>
-          </p:nvCxnSpPr>
-          <p:spPr>
-            <a:xfrm flipH="1">
-              <a:off x="3961000" y="2631238"/>
-              <a:ext cx="3601200" cy="1650600"/>
-            </a:xfrm>
-            <a:prstGeom prst="bentConnector4">
-              <a:avLst>
-                <a:gd fmla="val -5568" name="adj1"/>
-                <a:gd fmla="val 111775" name="adj2"/>
-              </a:avLst>
-            </a:prstGeom>
-            <a:noFill/>
-            <a:ln cap="flat" cmpd="sng" w="28575">
-              <a:solidFill>
-                <a:srgbClr val="CC0000"/>
-              </a:solidFill>
-              <a:prstDash val="solid"/>
-              <a:round/>
-              <a:headEnd len="med" w="med" type="none"/>
-              <a:tailEnd len="med" w="med" type="stealth"/>
-            </a:ln>
-          </p:spPr>
-        </p:cxnSp>
-        <p:sp>
-          <p:nvSpPr>
-            <p:cNvPr id="88" name="Google Shape;88;p13"/>
-            <p:cNvSpPr txBox="1"/>
-            <p:nvPr/>
-          </p:nvSpPr>
-          <p:spPr>
-            <a:xfrm>
-              <a:off x="6666297" y="4187583"/>
-              <a:ext cx="1123200" cy="288600"/>
-            </a:xfrm>
-            <a:prstGeom prst="rect">
-              <a:avLst/>
-            </a:prstGeom>
-            <a:noFill/>
-            <a:ln>
-              <a:noFill/>
-            </a:ln>
-          </p:spPr>
-          <p:txBody>
-            <a:bodyPr anchorCtr="0" anchor="t" bIns="91425" lIns="91425" spcFirstLastPara="1" rIns="91425" wrap="square" tIns="91425">
-              <a:spAutoFit/>
-            </a:bodyPr>
-            <a:lstStyle/>
-            <a:p>
-              <a:pPr indent="0" lvl="0" marL="0" rtl="0" algn="l">
-                <a:spcBef>
-                  <a:spcPts val="0"/>
-                </a:spcBef>
-                <a:spcAft>
-                  <a:spcPts val="0"/>
-                </a:spcAft>
-                <a:buNone/>
-              </a:pPr>
-              <a:r>
-                <a:rPr lang="en" sz="1100"/>
-                <a:t>backpropagation</a:t>
-              </a:r>
-              <a:endParaRPr sz="1100"/>
-            </a:p>
-          </p:txBody>
-        </p:sp>
-        <p:sp>
-          <p:nvSpPr>
-            <p:cNvPr id="89" name="Google Shape;89;p13"/>
-            <p:cNvSpPr txBox="1"/>
-            <p:nvPr/>
-          </p:nvSpPr>
-          <p:spPr>
-            <a:xfrm>
-              <a:off x="5170375" y="3478545"/>
-              <a:ext cx="1177500" cy="288600"/>
-            </a:xfrm>
-            <a:prstGeom prst="rect">
-              <a:avLst/>
-            </a:prstGeom>
-            <a:noFill/>
-            <a:ln>
-              <a:noFill/>
-            </a:ln>
-          </p:spPr>
-          <p:txBody>
-            <a:bodyPr anchorCtr="0" anchor="t" bIns="91425" lIns="91425" spcFirstLastPara="1" rIns="91425" wrap="square" tIns="91425">
-              <a:spAutoFit/>
-            </a:bodyPr>
-            <a:lstStyle/>
-            <a:p>
-              <a:pPr indent="0" lvl="0" marL="0" rtl="0" algn="l">
-                <a:spcBef>
-                  <a:spcPts val="0"/>
-                </a:spcBef>
-                <a:spcAft>
-                  <a:spcPts val="0"/>
-                </a:spcAft>
-                <a:buNone/>
-              </a:pPr>
-              <a:r>
-                <a:rPr lang="en" sz="1100"/>
-                <a:t>solution evaluation</a:t>
-              </a:r>
-              <a:endParaRPr sz="1100"/>
-            </a:p>
-          </p:txBody>
-        </p:sp>
-        <p:sp>
-          <p:nvSpPr>
-            <p:cNvPr id="90" name="Google Shape;90;p13"/>
-            <p:cNvSpPr txBox="1"/>
-            <p:nvPr/>
-          </p:nvSpPr>
-          <p:spPr>
-            <a:xfrm>
-              <a:off x="5478947" y="3967262"/>
-              <a:ext cx="1123200" cy="313800"/>
-            </a:xfrm>
-            <a:prstGeom prst="rect">
-              <a:avLst/>
-            </a:prstGeom>
-            <a:noFill/>
-            <a:ln>
-              <a:noFill/>
-            </a:ln>
-          </p:spPr>
-          <p:txBody>
-            <a:bodyPr anchorCtr="0" anchor="t" bIns="91425" lIns="91425" spcFirstLastPara="1" rIns="91425" wrap="square" tIns="91425">
-              <a:spAutoFit/>
-            </a:bodyPr>
-            <a:lstStyle/>
-            <a:p>
-              <a:pPr indent="0" lvl="0" marL="0" rtl="0" algn="ctr">
-                <a:spcBef>
-                  <a:spcPts val="0"/>
-                </a:spcBef>
-                <a:spcAft>
-                  <a:spcPts val="0"/>
-                </a:spcAft>
-                <a:buNone/>
-              </a:pPr>
-              <a:r>
-                <a:rPr b="1" lang="en" sz="1300">
-                  <a:solidFill>
-                    <a:srgbClr val="CC0000"/>
-                  </a:solidFill>
-                </a:rPr>
-                <a:t>Training Loop</a:t>
-              </a:r>
-              <a:endParaRPr b="1" sz="1300">
-                <a:solidFill>
-                  <a:srgbClr val="CC0000"/>
-                </a:solidFill>
-              </a:endParaRPr>
-            </a:p>
-          </p:txBody>
-        </p:sp>
-        <p:pic>
-          <p:nvPicPr>
-            <p:cNvPr id="83" name="Google Shape;83;p13"/>
-            <p:cNvPicPr preferRelativeResize="0"/>
-            <p:nvPr/>
-          </p:nvPicPr>
-          <p:blipFill>
-            <a:blip r:embed="rId5">
-              <a:alphaModFix/>
-            </a:blip>
-            <a:stretch>
-              <a:fillRect/>
-            </a:stretch>
-          </p:blipFill>
-          <p:spPr>
-            <a:xfrm>
-              <a:off x="480953" y="1643938"/>
-              <a:ext cx="1803575" cy="1855624"/>
-            </a:xfrm>
-            <a:prstGeom prst="rect">
-              <a:avLst/>
-            </a:prstGeom>
-            <a:noFill/>
-            <a:ln>
-              <a:noFill/>
-            </a:ln>
-          </p:spPr>
-        </p:pic>
-        <p:pic>
-          <p:nvPicPr>
-            <p:cNvPr id="84" name="Google Shape;84;p13"/>
-            <p:cNvPicPr preferRelativeResize="0"/>
-            <p:nvPr/>
-          </p:nvPicPr>
-          <p:blipFill>
-            <a:blip r:embed="rId6">
-              <a:alphaModFix/>
-            </a:blip>
-            <a:stretch>
-              <a:fillRect/>
-            </a:stretch>
-          </p:blipFill>
-          <p:spPr>
-            <a:xfrm>
-              <a:off x="3167238" y="814557"/>
-              <a:ext cx="1803575" cy="1855617"/>
-            </a:xfrm>
-            <a:prstGeom prst="rect">
-              <a:avLst/>
-            </a:prstGeom>
-            <a:noFill/>
-            <a:ln>
-              <a:noFill/>
-            </a:ln>
-          </p:spPr>
-        </p:pic>
-        <p:grpSp>
-          <p:nvGrpSpPr>
-            <p:cNvPr id="91" name="Google Shape;91;p13"/>
-            <p:cNvGrpSpPr/>
-            <p:nvPr/>
-          </p:nvGrpSpPr>
-          <p:grpSpPr>
-            <a:xfrm>
-              <a:off x="3223725" y="3206252"/>
-              <a:ext cx="1552300" cy="1075725"/>
-              <a:chOff x="638100" y="117402"/>
-              <a:chExt cx="1552300" cy="1075725"/>
-            </a:xfrm>
-          </p:grpSpPr>
-          <p:sp>
-            <p:nvSpPr>
-              <p:cNvPr id="78" name="Google Shape;78;p13"/>
-              <p:cNvSpPr/>
-              <p:nvPr/>
-            </p:nvSpPr>
-            <p:spPr>
-              <a:xfrm>
-                <a:off x="715600" y="117402"/>
-                <a:ext cx="1474800" cy="997500"/>
-              </a:xfrm>
-              <a:prstGeom prst="rect">
-                <a:avLst/>
-              </a:prstGeom>
-              <a:solidFill>
-                <a:srgbClr val="D9EAD3"/>
-              </a:solidFill>
-              <a:ln cap="flat" cmpd="sng" w="9525">
-                <a:solidFill>
-                  <a:schemeClr val="dk2"/>
-                </a:solidFill>
-                <a:prstDash val="solid"/>
-                <a:round/>
-                <a:headEnd len="sm" w="sm" type="none"/>
-                <a:tailEnd len="sm" w="sm" type="none"/>
-              </a:ln>
-            </p:spPr>
-            <p:txBody>
-              <a:bodyPr anchorCtr="0" anchor="ctr" bIns="91425" lIns="91425" spcFirstLastPara="1" rIns="91425" wrap="square" tIns="91425">
-                <a:noAutofit/>
-              </a:bodyPr>
-              <a:lstStyle/>
-              <a:p>
-                <a:pPr indent="0" lvl="0" marL="0" rtl="0" algn="l">
-                  <a:spcBef>
-                    <a:spcPts val="0"/>
-                  </a:spcBef>
-                  <a:spcAft>
-                    <a:spcPts val="0"/>
-                  </a:spcAft>
-                  <a:buNone/>
-                </a:pPr>
-                <a:r>
-                  <a:t/>
-                </a:r>
-                <a:endParaRPr/>
-              </a:p>
-            </p:txBody>
-          </p:sp>
-          <p:grpSp>
-            <p:nvGrpSpPr>
-              <p:cNvPr id="92" name="Google Shape;92;p13"/>
-              <p:cNvGrpSpPr/>
-              <p:nvPr/>
-            </p:nvGrpSpPr>
-            <p:grpSpPr>
-              <a:xfrm>
-                <a:off x="638100" y="195627"/>
-                <a:ext cx="1474800" cy="997500"/>
-                <a:chOff x="718725" y="335052"/>
-                <a:chExt cx="1474800" cy="997500"/>
-              </a:xfrm>
-            </p:grpSpPr>
-            <p:sp>
-              <p:nvSpPr>
-                <p:cNvPr id="86" name="Google Shape;86;p13"/>
-                <p:cNvSpPr/>
-                <p:nvPr/>
-              </p:nvSpPr>
-              <p:spPr>
-                <a:xfrm>
-                  <a:off x="718725" y="335052"/>
-                  <a:ext cx="1474800" cy="997500"/>
-                </a:xfrm>
-                <a:prstGeom prst="rect">
-                  <a:avLst/>
-                </a:prstGeom>
-                <a:solidFill>
-                  <a:schemeClr val="lt1"/>
-                </a:solidFill>
-                <a:ln cap="flat" cmpd="sng" w="9525">
-                  <a:solidFill>
-                    <a:schemeClr val="dk2"/>
-                  </a:solidFill>
-                  <a:prstDash val="solid"/>
-                  <a:round/>
-                  <a:headEnd len="sm" w="sm" type="none"/>
-                  <a:tailEnd len="sm" w="sm" type="none"/>
-                </a:ln>
-              </p:spPr>
-              <p:txBody>
-                <a:bodyPr anchorCtr="0" anchor="ctr" bIns="91425" lIns="91425" spcFirstLastPara="1" rIns="91425" wrap="square" tIns="91425">
-                  <a:noAutofit/>
-                </a:bodyPr>
-                <a:lstStyle/>
-                <a:p>
-                  <a:pPr indent="0" lvl="0" marL="0" rtl="0" algn="l">
-                    <a:spcBef>
-                      <a:spcPts val="0"/>
-                    </a:spcBef>
-                    <a:spcAft>
-                      <a:spcPts val="0"/>
-                    </a:spcAft>
-                    <a:buNone/>
-                  </a:pPr>
-                  <a:r>
-                    <a:t/>
-                  </a:r>
-                  <a:endParaRPr/>
-                </a:p>
-              </p:txBody>
-            </p:sp>
-            <p:pic>
-              <p:nvPicPr>
-                <p:cNvPr id="93" name="Google Shape;93;p13"/>
-                <p:cNvPicPr preferRelativeResize="0"/>
-                <p:nvPr/>
-              </p:nvPicPr>
-              <p:blipFill rotWithShape="1">
-                <a:blip r:embed="rId7">
-                  <a:alphaModFix/>
-                </a:blip>
-                <a:srcRect b="53017" l="6016" r="63142" t="11667"/>
-                <a:stretch/>
-              </p:blipFill>
-              <p:spPr>
-                <a:xfrm>
-                  <a:off x="830295" y="419052"/>
-                  <a:ext cx="1251643" cy="829499"/>
-                </a:xfrm>
-                <a:prstGeom prst="rect">
-                  <a:avLst/>
-                </a:prstGeom>
-                <a:noFill/>
-                <a:ln>
-                  <a:noFill/>
-                </a:ln>
-              </p:spPr>
-            </p:pic>
-          </p:grpSp>
-        </p:grpSp>
-      </p:grpSp>
-    </p:spTree>
-  </p:cSld>
-  <p:clrMapOvr>
-    <a:masterClrMapping/>
-  </p:clrMapOvr>
-</p:sld>
-</file>
-
-<file path=ppt/slides/slide2.xml><?xml version="1.0" encoding="utf-8"?>
-<p:sld xmlns:a="http://schemas.openxmlformats.org/drawingml/2006/main" xmlns:r="http://schemas.openxmlformats.org/officeDocument/2006/relationships" xmlns:mc="http://schemas.openxmlformats.org/markup-compatibility/2006" xmlns:mv="urn:schemas-microsoft-com:mac:vml" xmlns:p="http://schemas.openxmlformats.org/presentationml/2006/main" xmlns:c="http://schemas.openxmlformats.org/drawingml/2006/chart" xmlns:dgm="http://schemas.openxmlformats.org/drawingml/2006/diagram" xmlns:o="urn:schemas-microsoft-com:office:office" xmlns:v="urn:schemas-microsoft-com:vml" xmlns:pvml="urn:schemas-microsoft-com:office:powerpoint" xmlns:com="http://schemas.openxmlformats.org/drawingml/2006/compatibility" xmlns:p14="http://schemas.microsoft.com/office/powerpoint/2010/main" xmlns:p15="http://schemas.microsoft.com/office/powerpoint/2012/main" xmlns:ahyp="http://schemas.microsoft.com/office/drawing/2018/hyperlinkcolor">
-  <p:cSld>
-    <p:spTree>
-      <p:nvGrpSpPr>
-        <p:cNvPr id="97" name="Shape 97"/>
-        <p:cNvGrpSpPr/>
-        <p:nvPr/>
-      </p:nvGrpSpPr>
-      <p:grpSpPr>
-        <a:xfrm>
-          <a:off x="0" y="0"/>
-          <a:ext cx="0" cy="0"/>
-          <a:chOff x="0" y="0"/>
-          <a:chExt cx="0" cy="0"/>
-        </a:xfrm>
-      </p:grpSpPr>
-      <p:grpSp>
-        <p:nvGrpSpPr>
-          <p:cNvPr id="98" name="Google Shape;98;p14"/>
-          <p:cNvGrpSpPr/>
-          <p:nvPr/>
-        </p:nvGrpSpPr>
-        <p:grpSpPr>
-          <a:xfrm>
-            <a:off x="6238236" y="122475"/>
-            <a:ext cx="2617500" cy="1273200"/>
-            <a:chOff x="6103486" y="1602625"/>
-            <a:chExt cx="2617500" cy="1273200"/>
-          </a:xfrm>
-        </p:grpSpPr>
-        <p:sp>
-          <p:nvSpPr>
-            <p:cNvPr id="99" name="Google Shape;99;p14"/>
-            <p:cNvSpPr/>
-            <p:nvPr/>
-          </p:nvSpPr>
-          <p:spPr>
-            <a:xfrm>
-              <a:off x="6103486" y="1602625"/>
-              <a:ext cx="2617500" cy="1273200"/>
-            </a:xfrm>
-            <a:prstGeom prst="roundRect">
-              <a:avLst>
-                <a:gd fmla="val 16667" name="adj"/>
-              </a:avLst>
-            </a:prstGeom>
-            <a:solidFill>
-              <a:srgbClr val="FFE599"/>
-            </a:solidFill>
-            <a:ln>
-              <a:noFill/>
-            </a:ln>
-          </p:spPr>
-          <p:txBody>
-            <a:bodyPr anchorCtr="0" anchor="ctr" bIns="91425" lIns="91425" spcFirstLastPara="1" rIns="91425" wrap="square" tIns="91425">
-              <a:noAutofit/>
-            </a:bodyPr>
-            <a:lstStyle/>
-            <a:p>
-              <a:pPr indent="0" lvl="0" marL="0" rtl="0" algn="l">
-                <a:spcBef>
-                  <a:spcPts val="0"/>
-                </a:spcBef>
-                <a:spcAft>
-                  <a:spcPts val="0"/>
-                </a:spcAft>
-                <a:buNone/>
-              </a:pPr>
-              <a:r>
-                <a:t/>
-              </a:r>
-              <a:endParaRPr/>
-            </a:p>
-          </p:txBody>
-        </p:sp>
-        <p:grpSp>
-          <p:nvGrpSpPr>
-            <p:cNvPr id="100" name="Google Shape;100;p14"/>
-            <p:cNvGrpSpPr/>
-            <p:nvPr/>
-          </p:nvGrpSpPr>
-          <p:grpSpPr>
-            <a:xfrm>
-              <a:off x="6210096" y="1648533"/>
-              <a:ext cx="2411260" cy="1191455"/>
-              <a:chOff x="2056375" y="1574400"/>
-              <a:chExt cx="3570650" cy="1541538"/>
-            </a:xfrm>
-          </p:grpSpPr>
-          <p:grpSp>
-            <p:nvGrpSpPr>
-              <p:cNvPr id="101" name="Google Shape;101;p14"/>
-              <p:cNvGrpSpPr/>
-              <p:nvPr/>
-            </p:nvGrpSpPr>
-            <p:grpSpPr>
-              <a:xfrm>
-                <a:off x="2233262" y="1574400"/>
-                <a:ext cx="3233190" cy="1541538"/>
-                <a:chOff x="2289500" y="1554638"/>
-                <a:chExt cx="3233190" cy="1541538"/>
-              </a:xfrm>
-            </p:grpSpPr>
-            <p:pic>
-              <p:nvPicPr>
-                <p:cNvPr id="102" name="Google Shape;102;p14"/>
-                <p:cNvPicPr preferRelativeResize="0"/>
-                <p:nvPr/>
-              </p:nvPicPr>
-              <p:blipFill>
-                <a:blip r:embed="rId3">
-                  <a:alphaModFix/>
-                </a:blip>
-                <a:stretch>
-                  <a:fillRect/>
-                </a:stretch>
-              </p:blipFill>
-              <p:spPr>
-                <a:xfrm>
-                  <a:off x="2289500" y="1555775"/>
-                  <a:ext cx="1499750" cy="1499750"/>
-                </a:xfrm>
-                <a:prstGeom prst="rect">
-                  <a:avLst/>
-                </a:prstGeom>
-                <a:noFill/>
-                <a:ln>
-                  <a:noFill/>
-                </a:ln>
-              </p:spPr>
-            </p:pic>
-            <p:grpSp>
-              <p:nvGrpSpPr>
-                <p:cNvPr id="103" name="Google Shape;103;p14"/>
-                <p:cNvGrpSpPr/>
-                <p:nvPr/>
-              </p:nvGrpSpPr>
-              <p:grpSpPr>
-                <a:xfrm>
-                  <a:off x="3855127" y="1554638"/>
-                  <a:ext cx="600775" cy="1502025"/>
-                  <a:chOff x="3671614" y="2927975"/>
-                  <a:chExt cx="600775" cy="1502025"/>
-                </a:xfrm>
-              </p:grpSpPr>
-              <p:pic>
-                <p:nvPicPr>
-                  <p:cNvPr id="104" name="Google Shape;104;p14"/>
-                  <p:cNvPicPr preferRelativeResize="0"/>
-                  <p:nvPr/>
-                </p:nvPicPr>
-                <p:blipFill rotWithShape="1">
-                  <a:blip r:embed="rId4">
-                    <a:alphaModFix/>
-                  </a:blip>
-                  <a:srcRect b="0" l="84684" r="0" t="0"/>
-                  <a:stretch/>
-                </p:blipFill>
-                <p:spPr>
-                  <a:xfrm>
-                    <a:off x="4042690" y="2930250"/>
-                    <a:ext cx="229700" cy="1499750"/>
-                  </a:xfrm>
-                  <a:prstGeom prst="rect">
-                    <a:avLst/>
-                  </a:prstGeom>
-                  <a:noFill/>
-                  <a:ln>
-                    <a:noFill/>
-                  </a:ln>
-                  <a:effectLst>
-                    <a:outerShdw blurRad="57150" rotWithShape="0" algn="bl" dir="5400000" dist="19050">
-                      <a:srgbClr val="000000">
-                        <a:alpha val="50000"/>
-                      </a:srgbClr>
-                    </a:outerShdw>
-                  </a:effectLst>
-                </p:spPr>
-              </p:pic>
-              <p:pic>
-                <p:nvPicPr>
-                  <p:cNvPr id="105" name="Google Shape;105;p14"/>
-                  <p:cNvPicPr preferRelativeResize="0"/>
-                  <p:nvPr/>
-                </p:nvPicPr>
-                <p:blipFill rotWithShape="1">
-                  <a:blip r:embed="rId4">
-                    <a:alphaModFix/>
-                  </a:blip>
-                  <a:srcRect b="0" l="0" r="84684" t="0"/>
-                  <a:stretch/>
-                </p:blipFill>
-                <p:spPr>
-                  <a:xfrm>
-                    <a:off x="3671614" y="2927975"/>
-                    <a:ext cx="229700" cy="1499750"/>
-                  </a:xfrm>
-                  <a:prstGeom prst="rect">
-                    <a:avLst/>
-                  </a:prstGeom>
-                  <a:noFill/>
-                  <a:ln>
-                    <a:noFill/>
-                  </a:ln>
-                  <a:effectLst>
-                    <a:outerShdw blurRad="57150" rotWithShape="0" algn="bl" dir="5400000" dist="19050">
-                      <a:srgbClr val="000000">
-                        <a:alpha val="50000"/>
-                      </a:srgbClr>
-                    </a:outerShdw>
-                  </a:effectLst>
-                </p:spPr>
-              </p:pic>
-              <p:pic>
-                <p:nvPicPr>
-                  <p:cNvPr id="106" name="Google Shape;106;p14"/>
-                  <p:cNvPicPr preferRelativeResize="0"/>
-                  <p:nvPr/>
-                </p:nvPicPr>
-                <p:blipFill rotWithShape="1">
-                  <a:blip r:embed="rId4">
-                    <a:alphaModFix/>
-                  </a:blip>
-                  <a:srcRect b="0" l="39197" r="38736" t="0"/>
-                  <a:stretch/>
-                </p:blipFill>
-                <p:spPr>
-                  <a:xfrm>
-                    <a:off x="3800975" y="2930250"/>
-                    <a:ext cx="330950" cy="1499750"/>
-                  </a:xfrm>
-                  <a:prstGeom prst="rect">
-                    <a:avLst/>
-                  </a:prstGeom>
-                  <a:noFill/>
-                  <a:ln>
-                    <a:noFill/>
-                  </a:ln>
-                  <a:effectLst>
-                    <a:outerShdw blurRad="57150" rotWithShape="0" algn="bl" dir="5400000" dist="19050">
-                      <a:srgbClr val="000000">
-                        <a:alpha val="50000"/>
-                      </a:srgbClr>
-                    </a:outerShdw>
-                  </a:effectLst>
-                </p:spPr>
-              </p:pic>
-            </p:grpSp>
-            <p:grpSp>
-              <p:nvGrpSpPr>
-                <p:cNvPr id="107" name="Google Shape;107;p14"/>
-                <p:cNvGrpSpPr/>
-                <p:nvPr/>
-              </p:nvGrpSpPr>
-              <p:grpSpPr>
-                <a:xfrm>
-                  <a:off x="4921914" y="1594150"/>
-                  <a:ext cx="600775" cy="1502025"/>
-                  <a:chOff x="3671614" y="2927975"/>
-                  <a:chExt cx="600775" cy="1502025"/>
-                </a:xfrm>
-              </p:grpSpPr>
-              <p:pic>
-                <p:nvPicPr>
-                  <p:cNvPr id="108" name="Google Shape;108;p14"/>
-                  <p:cNvPicPr preferRelativeResize="0"/>
-                  <p:nvPr/>
-                </p:nvPicPr>
-                <p:blipFill rotWithShape="1">
-                  <a:blip r:embed="rId5">
-                    <a:alphaModFix/>
-                  </a:blip>
-                  <a:srcRect b="0" l="84684" r="0" t="0"/>
-                  <a:stretch/>
-                </p:blipFill>
-                <p:spPr>
-                  <a:xfrm>
-                    <a:off x="4042690" y="2930250"/>
-                    <a:ext cx="229700" cy="1499750"/>
-                  </a:xfrm>
-                  <a:prstGeom prst="rect">
-                    <a:avLst/>
-                  </a:prstGeom>
-                  <a:noFill/>
-                  <a:ln>
-                    <a:noFill/>
-                  </a:ln>
-                  <a:effectLst>
-                    <a:outerShdw blurRad="57150" rotWithShape="0" algn="bl" dir="5400000" dist="19050">
-                      <a:srgbClr val="000000">
-                        <a:alpha val="50000"/>
-                      </a:srgbClr>
-                    </a:outerShdw>
-                  </a:effectLst>
-                </p:spPr>
-              </p:pic>
-              <p:pic>
-                <p:nvPicPr>
-                  <p:cNvPr id="109" name="Google Shape;109;p14"/>
-                  <p:cNvPicPr preferRelativeResize="0"/>
-                  <p:nvPr/>
-                </p:nvPicPr>
-                <p:blipFill rotWithShape="1">
-                  <a:blip r:embed="rId5">
-                    <a:alphaModFix/>
-                  </a:blip>
-                  <a:srcRect b="0" l="0" r="84684" t="0"/>
-                  <a:stretch/>
-                </p:blipFill>
-                <p:spPr>
-                  <a:xfrm>
-                    <a:off x="3671614" y="2927975"/>
-                    <a:ext cx="229700" cy="1499750"/>
-                  </a:xfrm>
-                  <a:prstGeom prst="rect">
-                    <a:avLst/>
-                  </a:prstGeom>
-                  <a:noFill/>
-                  <a:ln>
-                    <a:noFill/>
-                  </a:ln>
-                  <a:effectLst>
-                    <a:outerShdw blurRad="57150" rotWithShape="0" algn="bl" dir="5400000" dist="19050">
-                      <a:srgbClr val="000000">
-                        <a:alpha val="50000"/>
-                      </a:srgbClr>
-                    </a:outerShdw>
-                  </a:effectLst>
-                </p:spPr>
-              </p:pic>
-              <p:pic>
-                <p:nvPicPr>
-                  <p:cNvPr id="110" name="Google Shape;110;p14"/>
-                  <p:cNvPicPr preferRelativeResize="0"/>
-                  <p:nvPr/>
-                </p:nvPicPr>
-                <p:blipFill rotWithShape="1">
-                  <a:blip r:embed="rId5">
-                    <a:alphaModFix/>
-                  </a:blip>
-                  <a:srcRect b="0" l="39197" r="38736" t="0"/>
-                  <a:stretch/>
-                </p:blipFill>
-                <p:spPr>
-                  <a:xfrm>
-                    <a:off x="3800975" y="2930250"/>
-                    <a:ext cx="330950" cy="1499750"/>
-                  </a:xfrm>
-                  <a:prstGeom prst="rect">
-                    <a:avLst/>
-                  </a:prstGeom>
-                  <a:noFill/>
-                  <a:ln>
-                    <a:noFill/>
-                  </a:ln>
-                  <a:effectLst>
-                    <a:outerShdw blurRad="57150" rotWithShape="0" algn="bl" dir="5400000" dist="19050">
-                      <a:srgbClr val="000000">
-                        <a:alpha val="50000"/>
-                      </a:srgbClr>
-                    </a:outerShdw>
-                  </a:effectLst>
-                </p:spPr>
-              </p:pic>
-            </p:grpSp>
-            <p:sp>
-              <p:nvSpPr>
-                <p:cNvPr id="111" name="Google Shape;111;p14"/>
-                <p:cNvSpPr/>
-                <p:nvPr/>
-              </p:nvSpPr>
-              <p:spPr>
-                <a:xfrm>
-                  <a:off x="4551363" y="2227113"/>
-                  <a:ext cx="275100" cy="236100"/>
-                </a:xfrm>
-                <a:prstGeom prst="mathMinus">
-                  <a:avLst>
-                    <a:gd fmla="val 23520" name="adj1"/>
-                  </a:avLst>
-                </a:prstGeom>
-                <a:solidFill>
-                  <a:srgbClr val="000000"/>
-                </a:solidFill>
-                <a:ln>
-                  <a:noFill/>
-                </a:ln>
-              </p:spPr>
-              <p:txBody>
-                <a:bodyPr anchorCtr="0" anchor="ctr" bIns="91425" lIns="91425" spcFirstLastPara="1" rIns="91425" wrap="square" tIns="91425">
-                  <a:noAutofit/>
-                </a:bodyPr>
-                <a:lstStyle/>
-                <a:p>
-                  <a:pPr indent="0" lvl="0" marL="0" rtl="0" algn="l">
-                    <a:spcBef>
-                      <a:spcPts val="0"/>
-                    </a:spcBef>
-                    <a:spcAft>
-                      <a:spcPts val="0"/>
-                    </a:spcAft>
-                    <a:buNone/>
-                  </a:pPr>
-                  <a:r>
-                    <a:t/>
-                  </a:r>
-                  <a:endParaRPr/>
-                </a:p>
-              </p:txBody>
-            </p:sp>
-          </p:grpSp>
-          <p:grpSp>
-            <p:nvGrpSpPr>
-              <p:cNvPr id="112" name="Google Shape;112;p14"/>
-              <p:cNvGrpSpPr/>
-              <p:nvPr/>
-            </p:nvGrpSpPr>
-            <p:grpSpPr>
-              <a:xfrm>
-                <a:off x="2056375" y="1620663"/>
-                <a:ext cx="54750" cy="1449000"/>
-                <a:chOff x="2056375" y="1620663"/>
-                <a:chExt cx="54750" cy="1449000"/>
-              </a:xfrm>
-            </p:grpSpPr>
-            <p:cxnSp>
-              <p:nvCxnSpPr>
-                <p:cNvPr id="113" name="Google Shape;113;p14"/>
-                <p:cNvCxnSpPr/>
-                <p:nvPr/>
-              </p:nvCxnSpPr>
-              <p:spPr>
-                <a:xfrm>
-                  <a:off x="2056375" y="1620663"/>
-                  <a:ext cx="0" cy="1449000"/>
-                </a:xfrm>
-                <a:prstGeom prst="straightConnector1">
-                  <a:avLst/>
-                </a:prstGeom>
-                <a:noFill/>
-                <a:ln cap="flat" cmpd="sng" w="9525">
-                  <a:solidFill>
-                    <a:srgbClr val="595959"/>
-                  </a:solidFill>
-                  <a:prstDash val="solid"/>
-                  <a:round/>
-                  <a:headEnd len="med" w="med" type="none"/>
-                  <a:tailEnd len="med" w="med" type="none"/>
-                </a:ln>
-              </p:spPr>
-            </p:cxnSp>
-            <p:cxnSp>
-              <p:nvCxnSpPr>
-                <p:cNvPr id="114" name="Google Shape;114;p14"/>
-                <p:cNvCxnSpPr/>
-                <p:nvPr/>
-              </p:nvCxnSpPr>
-              <p:spPr>
-                <a:xfrm>
-                  <a:off x="2111125" y="1620663"/>
-                  <a:ext cx="0" cy="1449000"/>
-                </a:xfrm>
-                <a:prstGeom prst="straightConnector1">
-                  <a:avLst/>
-                </a:prstGeom>
-                <a:noFill/>
-                <a:ln cap="flat" cmpd="sng" w="9525">
-                  <a:solidFill>
-                    <a:srgbClr val="595959"/>
-                  </a:solidFill>
-                  <a:prstDash val="solid"/>
-                  <a:round/>
-                  <a:headEnd len="med" w="med" type="none"/>
-                  <a:tailEnd len="med" w="med" type="none"/>
-                </a:ln>
-              </p:spPr>
-            </p:cxnSp>
-          </p:grpSp>
-          <p:grpSp>
-            <p:nvGrpSpPr>
-              <p:cNvPr id="115" name="Google Shape;115;p14"/>
-              <p:cNvGrpSpPr/>
-              <p:nvPr/>
-            </p:nvGrpSpPr>
-            <p:grpSpPr>
-              <a:xfrm>
-                <a:off x="5572275" y="1620663"/>
-                <a:ext cx="54750" cy="1449000"/>
-                <a:chOff x="2056375" y="1620663"/>
-                <a:chExt cx="54750" cy="1449000"/>
-              </a:xfrm>
-            </p:grpSpPr>
-            <p:cxnSp>
-              <p:nvCxnSpPr>
-                <p:cNvPr id="116" name="Google Shape;116;p14"/>
-                <p:cNvCxnSpPr/>
-                <p:nvPr/>
-              </p:nvCxnSpPr>
-              <p:spPr>
-                <a:xfrm>
-                  <a:off x="2056375" y="1620663"/>
-                  <a:ext cx="0" cy="1449000"/>
-                </a:xfrm>
-                <a:prstGeom prst="straightConnector1">
-                  <a:avLst/>
-                </a:prstGeom>
-                <a:noFill/>
-                <a:ln cap="flat" cmpd="sng" w="9525">
-                  <a:solidFill>
-                    <a:srgbClr val="595959"/>
-                  </a:solidFill>
-                  <a:prstDash val="solid"/>
-                  <a:round/>
-                  <a:headEnd len="med" w="med" type="none"/>
-                  <a:tailEnd len="med" w="med" type="none"/>
-                </a:ln>
-              </p:spPr>
-            </p:cxnSp>
-            <p:cxnSp>
-              <p:nvCxnSpPr>
-                <p:cNvPr id="117" name="Google Shape;117;p14"/>
+                <p:cNvPr id="73" name="Google Shape;73;p13"/>
                 <p:cNvCxnSpPr/>
                 <p:nvPr/>
               </p:nvCxnSpPr>
@@ -7271,17 +6063,17 @@
       </p:grpSp>
       <p:cxnSp>
         <p:nvCxnSpPr>
-          <p:cNvPr id="118" name="Google Shape;118;p14"/>
+          <p:cNvPr id="74" name="Google Shape;74;p13"/>
           <p:cNvCxnSpPr>
-            <a:stCxn id="119" idx="3"/>
-            <a:endCxn id="102" idx="2"/>
+            <a:stCxn id="75" idx="3"/>
+            <a:endCxn id="58" idx="2"/>
           </p:cNvCxnSpPr>
           <p:nvPr/>
         </p:nvCxnSpPr>
         <p:spPr>
           <a:xfrm flipH="1" rot="10800000">
-            <a:off x="4656674" y="1328332"/>
-            <a:ext cx="2313900" cy="589800"/>
+            <a:off x="4656674" y="1317832"/>
+            <a:ext cx="2313900" cy="600300"/>
           </a:xfrm>
           <a:prstGeom prst="bentConnector2">
             <a:avLst/>
@@ -7300,16 +6092,45 @@
       </p:cxnSp>
       <p:cxnSp>
         <p:nvCxnSpPr>
-          <p:cNvPr id="120" name="Google Shape;120;p14"/>
+          <p:cNvPr id="76" name="Google Shape;76;p13"/>
           <p:cNvCxnSpPr>
-            <a:stCxn id="121" idx="3"/>
-            <a:endCxn id="119" idx="1"/>
+            <a:stCxn id="75" idx="3"/>
+            <a:endCxn id="66" idx="2"/>
           </p:cNvCxnSpPr>
           <p:nvPr/>
         </p:nvCxnSpPr>
         <p:spPr>
           <a:xfrm flipH="1" rot="10800000">
-            <a:off x="2221712" y="1918092"/>
+            <a:off x="4656674" y="1349332"/>
+            <a:ext cx="3784200" cy="568800"/>
+          </a:xfrm>
+          <a:prstGeom prst="bentConnector2">
+            <a:avLst/>
+          </a:prstGeom>
+          <a:noFill/>
+          <a:ln cap="flat" cmpd="sng" w="19050">
+            <a:solidFill>
+              <a:srgbClr val="595959"/>
+            </a:solidFill>
+            <a:prstDash val="solid"/>
+            <a:round/>
+            <a:headEnd len="med" w="med" type="none"/>
+            <a:tailEnd len="med" w="med" type="stealth"/>
+          </a:ln>
+        </p:spPr>
+      </p:cxnSp>
+      <p:cxnSp>
+        <p:nvCxnSpPr>
+          <p:cNvPr id="77" name="Google Shape;77;p13"/>
+          <p:cNvCxnSpPr>
+            <a:stCxn id="78" idx="3"/>
+            <a:endCxn id="75" idx="1"/>
+          </p:cNvCxnSpPr>
+          <p:nvPr/>
+        </p:nvCxnSpPr>
+        <p:spPr>
+          <a:xfrm flipH="1" rot="10800000">
+            <a:off x="2221711" y="1918092"/>
             <a:ext cx="769800" cy="1093200"/>
           </a:xfrm>
           <a:prstGeom prst="bentConnector3">
@@ -7331,16 +6152,16 @@
       </p:cxnSp>
       <p:cxnSp>
         <p:nvCxnSpPr>
-          <p:cNvPr id="122" name="Google Shape;122;p14"/>
+          <p:cNvPr id="79" name="Google Shape;79;p13"/>
           <p:cNvCxnSpPr>
-            <a:stCxn id="121" idx="3"/>
-            <a:endCxn id="123" idx="1"/>
+            <a:stCxn id="78" idx="3"/>
+            <a:endCxn id="80" idx="1"/>
           </p:cNvCxnSpPr>
           <p:nvPr/>
         </p:nvCxnSpPr>
         <p:spPr>
           <a:xfrm>
-            <a:off x="2221712" y="3011292"/>
+            <a:off x="2221711" y="3011292"/>
             <a:ext cx="768000" cy="1186800"/>
           </a:xfrm>
           <a:prstGeom prst="bentConnector3">
@@ -7362,22 +6183,144 @@
       </p:cxnSp>
       <p:cxnSp>
         <p:nvCxnSpPr>
-          <p:cNvPr id="124" name="Google Shape;124;p14"/>
+          <p:cNvPr id="81" name="Google Shape;81;p13"/>
           <p:cNvCxnSpPr>
-            <a:stCxn id="99" idx="3"/>
-            <a:endCxn id="123" idx="2"/>
+            <a:stCxn id="55" idx="3"/>
+            <a:endCxn id="80" idx="2"/>
           </p:cNvCxnSpPr>
           <p:nvPr/>
         </p:nvCxnSpPr>
         <p:spPr>
           <a:xfrm flipH="1">
-            <a:off x="3865536" y="759075"/>
-            <a:ext cx="4990200" cy="4050600"/>
+            <a:off x="3865525" y="748380"/>
+            <a:ext cx="4990200" cy="4061400"/>
           </a:xfrm>
           <a:prstGeom prst="bentConnector4">
             <a:avLst>
               <a:gd fmla="val -4772" name="adj1"/>
-              <a:gd fmla="val 105881" name="adj2"/>
+              <a:gd fmla="val 105862" name="adj2"/>
+            </a:avLst>
+          </a:prstGeom>
+          <a:noFill/>
+          <a:ln cap="flat" cmpd="sng" w="28575">
+            <a:solidFill>
+              <a:srgbClr val="CC0000"/>
+            </a:solidFill>
+            <a:prstDash val="solid"/>
+            <a:round/>
+            <a:headEnd len="med" w="med" type="none"/>
+            <a:tailEnd len="med" w="med" type="stealth"/>
+          </a:ln>
+        </p:spPr>
+      </p:cxnSp>
+      <p:cxnSp>
+        <p:nvCxnSpPr>
+          <p:cNvPr id="82" name="Google Shape;82;p13"/>
+          <p:cNvCxnSpPr>
+            <a:stCxn id="75" idx="3"/>
+            <a:endCxn id="83" idx="1"/>
+          </p:cNvCxnSpPr>
+          <p:nvPr/>
+        </p:nvCxnSpPr>
+        <p:spPr>
+          <a:xfrm flipH="1" rot="10800000">
+            <a:off x="4656674" y="1492132"/>
+            <a:ext cx="444000" cy="426000"/>
+          </a:xfrm>
+          <a:prstGeom prst="bentConnector3">
+            <a:avLst>
+              <a:gd fmla="val 49989" name="adj1"/>
+            </a:avLst>
+          </a:prstGeom>
+          <a:noFill/>
+          <a:ln cap="flat" cmpd="sng" w="19050">
+            <a:solidFill>
+              <a:schemeClr val="dk2"/>
+            </a:solidFill>
+            <a:prstDash val="solid"/>
+            <a:round/>
+            <a:headEnd len="med" w="med" type="none"/>
+            <a:tailEnd len="med" w="med" type="none"/>
+          </a:ln>
+        </p:spPr>
+      </p:cxnSp>
+      <p:cxnSp>
+        <p:nvCxnSpPr>
+          <p:cNvPr id="84" name="Google Shape;84;p13"/>
+          <p:cNvCxnSpPr>
+            <a:stCxn id="83" idx="0"/>
+            <a:endCxn id="55" idx="1"/>
+          </p:cNvCxnSpPr>
+          <p:nvPr/>
+        </p:nvCxnSpPr>
+        <p:spPr>
+          <a:xfrm rot="-5400000">
+            <a:off x="5634230" y="753650"/>
+            <a:ext cx="609300" cy="598500"/>
+          </a:xfrm>
+          <a:prstGeom prst="bentConnector2">
+            <a:avLst/>
+          </a:prstGeom>
+          <a:noFill/>
+          <a:ln cap="flat" cmpd="sng" w="19050">
+            <a:solidFill>
+              <a:schemeClr val="dk2"/>
+            </a:solidFill>
+            <a:prstDash val="solid"/>
+            <a:round/>
+            <a:headEnd len="med" w="med" type="none"/>
+            <a:tailEnd len="med" w="med" type="stealth"/>
+          </a:ln>
+        </p:spPr>
+      </p:cxnSp>
+      <p:cxnSp>
+        <p:nvCxnSpPr>
+          <p:cNvPr id="85" name="Google Shape;85;p13"/>
+          <p:cNvCxnSpPr>
+            <a:stCxn id="86" idx="3"/>
+            <a:endCxn id="87" idx="2"/>
+          </p:cNvCxnSpPr>
+          <p:nvPr/>
+        </p:nvCxnSpPr>
+        <p:spPr>
+          <a:xfrm flipH="1" rot="10800000">
+            <a:off x="4909442" y="3907955"/>
+            <a:ext cx="689100" cy="118200"/>
+          </a:xfrm>
+          <a:prstGeom prst="curvedConnector3">
+            <a:avLst>
+              <a:gd fmla="val 50002" name="adj1"/>
+            </a:avLst>
+          </a:prstGeom>
+          <a:noFill/>
+          <a:ln cap="flat" cmpd="sng" w="19050">
+            <a:solidFill>
+              <a:srgbClr val="CC0000"/>
+            </a:solidFill>
+            <a:prstDash val="solid"/>
+            <a:round/>
+            <a:headEnd len="med" w="med" type="none"/>
+            <a:tailEnd len="med" w="med" type="oval"/>
+          </a:ln>
+        </p:spPr>
+      </p:cxnSp>
+      <p:cxnSp>
+        <p:nvCxnSpPr>
+          <p:cNvPr id="88" name="Google Shape;88;p13"/>
+          <p:cNvCxnSpPr>
+            <a:stCxn id="87" idx="6"/>
+            <a:endCxn id="89" idx="1"/>
+          </p:cNvCxnSpPr>
+          <p:nvPr/>
+        </p:nvCxnSpPr>
+        <p:spPr>
+          <a:xfrm flipH="1" rot="10800000">
+            <a:off x="5978675" y="3782575"/>
+            <a:ext cx="1395000" cy="125400"/>
+          </a:xfrm>
+          <a:prstGeom prst="curvedConnector3">
+            <a:avLst>
+              <a:gd fmla="val 50000" name="adj1"/>
             </a:avLst>
           </a:prstGeom>
           <a:noFill/>
@@ -7394,26 +6337,28 @@
       </p:cxnSp>
       <p:sp>
         <p:nvSpPr>
-          <p:cNvPr id="125" name="Google Shape;125;p14"/>
-          <p:cNvSpPr txBox="1"/>
+          <p:cNvPr id="89" name="Google Shape;89;p13"/>
+          <p:cNvSpPr/>
           <p:nvPr/>
         </p:nvSpPr>
         <p:spPr>
           <a:xfrm>
-            <a:off x="7137254" y="4234479"/>
-            <a:ext cx="1333800" cy="384900"/>
+            <a:off x="7373674" y="3647888"/>
+            <a:ext cx="1333908" cy="269352"/>
           </a:xfrm>
-          <a:prstGeom prst="rect">
+          <a:prstGeom prst="flowChartTerminator">
             <a:avLst/>
           </a:prstGeom>
-          <a:noFill/>
+          <a:solidFill>
+            <a:srgbClr val="F4CCCC"/>
+          </a:solidFill>
           <a:ln>
             <a:noFill/>
           </a:ln>
         </p:spPr>
         <p:txBody>
-          <a:bodyPr anchorCtr="0" anchor="t" bIns="91425" lIns="91425" spcFirstLastPara="1" rIns="91425" wrap="square" tIns="91425">
-            <a:spAutoFit/>
+          <a:bodyPr anchorCtr="0" anchor="ctr" bIns="91425" lIns="91425" spcFirstLastPara="1" rIns="91425" wrap="square" tIns="91425">
+            <a:noAutofit/>
           </a:bodyPr>
           <a:lstStyle/>
           <a:p>
@@ -7427,61 +6372,86 @@
               <a:buNone/>
             </a:pPr>
             <a:r>
-              <a:rPr b="1" lang="en" sz="1300">
-                <a:solidFill>
-                  <a:srgbClr val="CC0000"/>
-                </a:solidFill>
-              </a:rPr>
-              <a:t>Training Loop</a:t>
+              <a:rPr lang="en" sz="1000"/>
+              <a:t>Bulk Solution</a:t>
             </a:r>
-            <a:endParaRPr b="1" sz="1300">
-              <a:solidFill>
-                <a:srgbClr val="CC0000"/>
-              </a:solidFill>
-            </a:endParaRPr>
+            <a:endParaRPr sz="1000"/>
           </a:p>
         </p:txBody>
       </p:sp>
+      <p:cxnSp>
+        <p:nvCxnSpPr>
+          <p:cNvPr id="90" name="Google Shape;90;p13"/>
+          <p:cNvCxnSpPr>
+            <a:stCxn id="89" idx="0"/>
+            <a:endCxn id="62" idx="2"/>
+          </p:cNvCxnSpPr>
+          <p:nvPr/>
+        </p:nvCxnSpPr>
+        <p:spPr>
+          <a:xfrm flipH="1" rot="5400000">
+            <a:off x="6715978" y="2323238"/>
+            <a:ext cx="2329200" cy="320100"/>
+          </a:xfrm>
+          <a:prstGeom prst="curvedConnector3">
+            <a:avLst>
+              <a:gd fmla="val 50000" name="adj1"/>
+            </a:avLst>
+          </a:prstGeom>
+          <a:noFill/>
+          <a:ln cap="flat" cmpd="sng" w="28575">
+            <a:solidFill>
+              <a:srgbClr val="CC0000"/>
+            </a:solidFill>
+            <a:prstDash val="solid"/>
+            <a:round/>
+            <a:headEnd len="med" w="med" type="none"/>
+            <a:tailEnd len="med" w="med" type="stealth"/>
+          </a:ln>
+        </p:spPr>
+      </p:cxnSp>
       <p:grpSp>
         <p:nvGrpSpPr>
-          <p:cNvPr id="126" name="Google Shape;126;p14"/>
+          <p:cNvPr id="91" name="Google Shape;91;p13"/>
           <p:cNvGrpSpPr/>
           <p:nvPr/>
         </p:nvGrpSpPr>
         <p:grpSpPr>
           <a:xfrm>
-            <a:off x="79786" y="1873701"/>
-            <a:ext cx="2141926" cy="2627885"/>
-            <a:chOff x="232186" y="1492701"/>
-            <a:chExt cx="2141926" cy="2627885"/>
+            <a:off x="5554982" y="3697227"/>
+            <a:ext cx="469200" cy="419700"/>
+            <a:chOff x="5554982" y="3468627"/>
+            <a:chExt cx="469200" cy="419700"/>
           </a:xfrm>
         </p:grpSpPr>
         <p:sp>
           <p:nvSpPr>
-            <p:cNvPr id="127" name="Google Shape;127;p14"/>
-            <p:cNvSpPr txBox="1"/>
+            <p:cNvPr id="87" name="Google Shape;87;p13"/>
+            <p:cNvSpPr/>
             <p:nvPr/>
           </p:nvSpPr>
           <p:spPr>
             <a:xfrm>
-              <a:off x="249091" y="3751285"/>
-              <a:ext cx="2108109" cy="369301"/>
+              <a:off x="5598575" y="3494725"/>
+              <a:ext cx="380100" cy="369300"/>
             </a:xfrm>
-            <a:prstGeom prst="rect">
+            <a:prstGeom prst="ellipse">
               <a:avLst/>
             </a:prstGeom>
-            <a:noFill/>
+            <a:solidFill>
+              <a:srgbClr val="F4CCCC"/>
+            </a:solidFill>
             <a:ln>
               <a:noFill/>
             </a:ln>
           </p:spPr>
           <p:txBody>
-            <a:bodyPr anchorCtr="0" anchor="t" bIns="91425" lIns="91425" spcFirstLastPara="1" rIns="91425" wrap="square" tIns="91425">
-              <a:spAutoFit/>
+            <a:bodyPr anchorCtr="0" anchor="ctr" bIns="91425" lIns="91425" spcFirstLastPara="1" rIns="91425" wrap="square" tIns="91425">
+              <a:noAutofit/>
             </a:bodyPr>
             <a:lstStyle/>
             <a:p>
-              <a:pPr indent="0" lvl="0" marL="0" rtl="0" algn="ctr">
+              <a:pPr indent="0" lvl="0" marL="0" rtl="0" algn="l">
                 <a:spcBef>
                   <a:spcPts val="0"/>
                 </a:spcBef>
@@ -7491,82 +6461,48 @@
                 <a:buNone/>
               </a:pPr>
               <a:r>
-                <a:rPr lang="en" sz="1200"/>
-                <a:t>Mesh</a:t>
+                <a:t/>
               </a:r>
-              <a:endParaRPr sz="1200"/>
+              <a:endParaRPr/>
             </a:p>
           </p:txBody>
         </p:sp>
-        <p:pic>
-          <p:nvPicPr>
-            <p:cNvPr id="121" name="Google Shape;121;p14"/>
-            <p:cNvPicPr preferRelativeResize="0"/>
-            <p:nvPr/>
-          </p:nvPicPr>
-          <p:blipFill>
-            <a:blip r:embed="rId6">
-              <a:alphaModFix/>
-            </a:blip>
-            <a:stretch>
-              <a:fillRect/>
-            </a:stretch>
-          </p:blipFill>
-          <p:spPr>
-            <a:xfrm>
-              <a:off x="232186" y="1492701"/>
-              <a:ext cx="2141926" cy="2275181"/>
-            </a:xfrm>
-            <a:prstGeom prst="rect">
-              <a:avLst/>
-            </a:prstGeom>
-            <a:noFill/>
-            <a:ln>
-              <a:noFill/>
-            </a:ln>
-          </p:spPr>
-        </p:pic>
-      </p:grpSp>
-      <p:grpSp>
-        <p:nvGrpSpPr>
-          <p:cNvPr id="128" name="Google Shape;128;p14"/>
-          <p:cNvGrpSpPr/>
-          <p:nvPr/>
-        </p:nvGrpSpPr>
-        <p:grpSpPr>
-          <a:xfrm>
-            <a:off x="2801346" y="690809"/>
-            <a:ext cx="2108100" cy="2111706"/>
-            <a:chOff x="3258546" y="56659"/>
-            <a:chExt cx="2108100" cy="2111706"/>
-          </a:xfrm>
-        </p:grpSpPr>
         <p:sp>
           <p:nvSpPr>
-            <p:cNvPr id="129" name="Google Shape;129;p14"/>
-            <p:cNvSpPr txBox="1"/>
+            <p:cNvPr id="92" name="Google Shape;92;p13"/>
+            <p:cNvSpPr/>
             <p:nvPr/>
           </p:nvSpPr>
           <p:spPr>
             <a:xfrm>
-              <a:off x="3258546" y="56659"/>
-              <a:ext cx="2108100" cy="369300"/>
+              <a:off x="5554982" y="3468627"/>
+              <a:ext cx="469200" cy="419700"/>
             </a:xfrm>
-            <a:prstGeom prst="rect">
-              <a:avLst/>
+            <a:prstGeom prst="mathPlus">
+              <a:avLst>
+                <a:gd fmla="val 12151" name="adj1"/>
+              </a:avLst>
             </a:prstGeom>
-            <a:noFill/>
-            <a:ln>
-              <a:noFill/>
+            <a:solidFill>
+              <a:srgbClr val="F4CCCC"/>
+            </a:solidFill>
+            <a:ln cap="flat" cmpd="sng" w="9525">
+              <a:solidFill>
+                <a:schemeClr val="lt1"/>
+              </a:solidFill>
+              <a:prstDash val="solid"/>
+              <a:round/>
+              <a:headEnd len="sm" w="sm" type="none"/>
+              <a:tailEnd len="sm" w="sm" type="none"/>
             </a:ln>
           </p:spPr>
           <p:txBody>
-            <a:bodyPr anchorCtr="0" anchor="t" bIns="91425" lIns="91425" spcFirstLastPara="1" rIns="91425" wrap="square" tIns="91425">
-              <a:spAutoFit/>
+            <a:bodyPr anchorCtr="0" anchor="ctr" bIns="91425" lIns="91425" spcFirstLastPara="1" rIns="91425" wrap="square" tIns="91425">
+              <a:noAutofit/>
             </a:bodyPr>
             <a:lstStyle/>
             <a:p>
-              <a:pPr indent="0" lvl="0" marL="0" rtl="0" algn="ctr">
+              <a:pPr indent="0" lvl="0" marL="0" rtl="0" algn="l">
                 <a:spcBef>
                   <a:spcPts val="0"/>
                 </a:spcBef>
@@ -7576,45 +6512,16 @@
                 <a:buNone/>
               </a:pPr>
               <a:r>
-                <a:rPr lang="en" sz="1200"/>
-                <a:t>Assemble Linear System</a:t>
+                <a:t/>
               </a:r>
-              <a:endParaRPr sz="1200"/>
+              <a:endParaRPr/>
             </a:p>
           </p:txBody>
         </p:sp>
-        <p:pic>
-          <p:nvPicPr>
-            <p:cNvPr id="119" name="Google Shape;119;p14"/>
-            <p:cNvPicPr preferRelativeResize="0"/>
-            <p:nvPr/>
-          </p:nvPicPr>
-          <p:blipFill>
-            <a:blip r:embed="rId7">
-              <a:alphaModFix/>
-            </a:blip>
-            <a:stretch>
-              <a:fillRect/>
-            </a:stretch>
-          </p:blipFill>
-          <p:spPr>
-            <a:xfrm>
-              <a:off x="3448698" y="399600"/>
-              <a:ext cx="1665176" cy="1768765"/>
-            </a:xfrm>
-            <a:prstGeom prst="rect">
-              <a:avLst/>
-            </a:prstGeom>
-            <a:noFill/>
-            <a:ln>
-              <a:noFill/>
-            </a:ln>
-          </p:spPr>
-        </p:pic>
       </p:grpSp>
       <p:grpSp>
         <p:nvGrpSpPr>
-          <p:cNvPr id="130" name="Google Shape;130;p14"/>
+          <p:cNvPr id="93" name="Google Shape;93;p13"/>
           <p:cNvGrpSpPr/>
           <p:nvPr/>
         </p:nvGrpSpPr>
@@ -7628,7 +6535,7 @@
         </p:grpSpPr>
         <p:sp>
           <p:nvSpPr>
-            <p:cNvPr id="131" name="Google Shape;131;p14"/>
+            <p:cNvPr id="86" name="Google Shape;86;p13"/>
             <p:cNvSpPr/>
             <p:nvPr/>
           </p:nvSpPr>
@@ -7677,7 +6584,7 @@
         </p:sp>
         <p:grpSp>
           <p:nvGrpSpPr>
-            <p:cNvPr id="132" name="Google Shape;132;p14"/>
+            <p:cNvPr id="94" name="Google Shape;94;p13"/>
             <p:cNvGrpSpPr/>
             <p:nvPr/>
           </p:nvGrpSpPr>
@@ -7691,7 +6598,7 @@
           </p:grpSpPr>
           <p:sp>
             <p:nvSpPr>
-              <p:cNvPr id="123" name="Google Shape;123;p14"/>
+              <p:cNvPr id="80" name="Google Shape;80;p13"/>
               <p:cNvSpPr/>
               <p:nvPr/>
             </p:nvSpPr>
@@ -7740,7 +6647,1398 @@
           </p:sp>
           <p:pic>
             <p:nvPicPr>
-              <p:cNvPr id="133" name="Google Shape;133;p14"/>
+              <p:cNvPr id="95" name="Google Shape;95;p13"/>
+              <p:cNvPicPr preferRelativeResize="0"/>
+              <p:nvPr/>
+            </p:nvPicPr>
+            <p:blipFill rotWithShape="1">
+              <a:blip r:embed="rId5">
+                <a:alphaModFix/>
+              </a:blip>
+              <a:srcRect b="53017" l="6016" r="63142" t="11667"/>
+              <a:stretch/>
+            </p:blipFill>
+            <p:spPr>
+              <a:xfrm>
+                <a:off x="830295" y="419052"/>
+                <a:ext cx="1251643" cy="829499"/>
+              </a:xfrm>
+              <a:prstGeom prst="rect">
+                <a:avLst/>
+              </a:prstGeom>
+              <a:noFill/>
+              <a:ln>
+                <a:noFill/>
+              </a:ln>
+            </p:spPr>
+          </p:pic>
+        </p:grpSp>
+      </p:grpSp>
+      <p:grpSp>
+        <p:nvGrpSpPr>
+          <p:cNvPr id="96" name="Google Shape;96;p13"/>
+          <p:cNvGrpSpPr/>
+          <p:nvPr/>
+        </p:nvGrpSpPr>
+        <p:grpSpPr>
+          <a:xfrm>
+            <a:off x="79786" y="1873701"/>
+            <a:ext cx="2141925" cy="2627883"/>
+            <a:chOff x="232186" y="1492701"/>
+            <a:chExt cx="2141925" cy="2627883"/>
+          </a:xfrm>
+        </p:grpSpPr>
+        <p:sp>
+          <p:nvSpPr>
+            <p:cNvPr id="97" name="Google Shape;97;p13"/>
+            <p:cNvSpPr txBox="1"/>
+            <p:nvPr/>
+          </p:nvSpPr>
+          <p:spPr>
+            <a:xfrm>
+              <a:off x="249091" y="3751285"/>
+              <a:ext cx="2108100" cy="369300"/>
+            </a:xfrm>
+            <a:prstGeom prst="rect">
+              <a:avLst/>
+            </a:prstGeom>
+            <a:noFill/>
+            <a:ln>
+              <a:noFill/>
+            </a:ln>
+          </p:spPr>
+          <p:txBody>
+            <a:bodyPr anchorCtr="0" anchor="t" bIns="91425" lIns="91425" spcFirstLastPara="1" rIns="91425" wrap="square" tIns="91425">
+              <a:spAutoFit/>
+            </a:bodyPr>
+            <a:lstStyle/>
+            <a:p>
+              <a:pPr indent="0" lvl="0" marL="0" rtl="0" algn="ctr">
+                <a:spcBef>
+                  <a:spcPts val="0"/>
+                </a:spcBef>
+                <a:spcAft>
+                  <a:spcPts val="0"/>
+                </a:spcAft>
+                <a:buNone/>
+              </a:pPr>
+              <a:r>
+                <a:rPr lang="en" sz="1200"/>
+                <a:t>Mesh</a:t>
+              </a:r>
+              <a:endParaRPr sz="1200"/>
+            </a:p>
+          </p:txBody>
+        </p:sp>
+        <p:pic>
+          <p:nvPicPr>
+            <p:cNvPr id="78" name="Google Shape;78;p13"/>
+            <p:cNvPicPr preferRelativeResize="0"/>
+            <p:nvPr/>
+          </p:nvPicPr>
+          <p:blipFill>
+            <a:blip r:embed="rId6">
+              <a:alphaModFix/>
+            </a:blip>
+            <a:stretch>
+              <a:fillRect/>
+            </a:stretch>
+          </p:blipFill>
+          <p:spPr>
+            <a:xfrm>
+              <a:off x="232186" y="1492701"/>
+              <a:ext cx="2141925" cy="2275181"/>
+            </a:xfrm>
+            <a:prstGeom prst="rect">
+              <a:avLst/>
+            </a:prstGeom>
+            <a:noFill/>
+            <a:ln>
+              <a:noFill/>
+            </a:ln>
+          </p:spPr>
+        </p:pic>
+      </p:grpSp>
+      <p:grpSp>
+        <p:nvGrpSpPr>
+          <p:cNvPr id="98" name="Google Shape;98;p13"/>
+          <p:cNvGrpSpPr/>
+          <p:nvPr/>
+        </p:nvGrpSpPr>
+        <p:grpSpPr>
+          <a:xfrm>
+            <a:off x="2801346" y="690809"/>
+            <a:ext cx="2108100" cy="2111706"/>
+            <a:chOff x="3258546" y="56659"/>
+            <a:chExt cx="2108100" cy="2111706"/>
+          </a:xfrm>
+        </p:grpSpPr>
+        <p:sp>
+          <p:nvSpPr>
+            <p:cNvPr id="99" name="Google Shape;99;p13"/>
+            <p:cNvSpPr txBox="1"/>
+            <p:nvPr/>
+          </p:nvSpPr>
+          <p:spPr>
+            <a:xfrm>
+              <a:off x="3258546" y="56659"/>
+              <a:ext cx="2108100" cy="369300"/>
+            </a:xfrm>
+            <a:prstGeom prst="rect">
+              <a:avLst/>
+            </a:prstGeom>
+            <a:noFill/>
+            <a:ln>
+              <a:noFill/>
+            </a:ln>
+          </p:spPr>
+          <p:txBody>
+            <a:bodyPr anchorCtr="0" anchor="t" bIns="91425" lIns="91425" spcFirstLastPara="1" rIns="91425" wrap="square" tIns="91425">
+              <a:spAutoFit/>
+            </a:bodyPr>
+            <a:lstStyle/>
+            <a:p>
+              <a:pPr indent="0" lvl="0" marL="0" rtl="0" algn="ctr">
+                <a:spcBef>
+                  <a:spcPts val="0"/>
+                </a:spcBef>
+                <a:spcAft>
+                  <a:spcPts val="0"/>
+                </a:spcAft>
+                <a:buNone/>
+              </a:pPr>
+              <a:r>
+                <a:rPr lang="en" sz="1200"/>
+                <a:t>Assemble Linear System</a:t>
+              </a:r>
+              <a:endParaRPr sz="1200"/>
+            </a:p>
+          </p:txBody>
+        </p:sp>
+        <p:pic>
+          <p:nvPicPr>
+            <p:cNvPr id="75" name="Google Shape;75;p13"/>
+            <p:cNvPicPr preferRelativeResize="0"/>
+            <p:nvPr/>
+          </p:nvPicPr>
+          <p:blipFill>
+            <a:blip r:embed="rId7">
+              <a:alphaModFix/>
+            </a:blip>
+            <a:stretch>
+              <a:fillRect/>
+            </a:stretch>
+          </p:blipFill>
+          <p:spPr>
+            <a:xfrm>
+              <a:off x="3448698" y="399600"/>
+              <a:ext cx="1665176" cy="1768765"/>
+            </a:xfrm>
+            <a:prstGeom prst="rect">
+              <a:avLst/>
+            </a:prstGeom>
+            <a:noFill/>
+            <a:ln>
+              <a:noFill/>
+            </a:ln>
+          </p:spPr>
+        </p:pic>
+      </p:grpSp>
+      <p:sp>
+        <p:nvSpPr>
+          <p:cNvPr id="83" name="Google Shape;83;p13"/>
+          <p:cNvSpPr/>
+          <p:nvPr/>
+        </p:nvSpPr>
+        <p:spPr>
+          <a:xfrm>
+            <a:off x="5100575" y="1357550"/>
+            <a:ext cx="1078110" cy="269352"/>
+          </a:xfrm>
+          <a:prstGeom prst="flowChartTerminator">
+            <a:avLst/>
+          </a:prstGeom>
+          <a:solidFill>
+            <a:srgbClr val="FCE5CD"/>
+          </a:solidFill>
+          <a:ln>
+            <a:noFill/>
+          </a:ln>
+        </p:spPr>
+        <p:txBody>
+          <a:bodyPr anchorCtr="0" anchor="ctr" bIns="91425" lIns="91425" spcFirstLastPara="1" rIns="91425" wrap="square" tIns="91425">
+            <a:noAutofit/>
+          </a:bodyPr>
+          <a:lstStyle/>
+          <a:p>
+            <a:pPr indent="0" lvl="0" marL="0" rtl="0" algn="ctr">
+              <a:spcBef>
+                <a:spcPts val="0"/>
+              </a:spcBef>
+              <a:spcAft>
+                <a:spcPts val="0"/>
+              </a:spcAft>
+              <a:buNone/>
+            </a:pPr>
+            <a:r>
+              <a:rPr lang="en" sz="1000"/>
+              <a:t>Precondition?</a:t>
+            </a:r>
+            <a:endParaRPr sz="1000"/>
+          </a:p>
+        </p:txBody>
+      </p:sp>
+      <p:sp>
+        <p:nvSpPr>
+          <p:cNvPr id="100" name="Google Shape;100;p13"/>
+          <p:cNvSpPr txBox="1"/>
+          <p:nvPr/>
+        </p:nvSpPr>
+        <p:spPr>
+          <a:xfrm>
+            <a:off x="2801341" y="3071885"/>
+            <a:ext cx="2108100" cy="369300"/>
+          </a:xfrm>
+          <a:prstGeom prst="rect">
+            <a:avLst/>
+          </a:prstGeom>
+          <a:noFill/>
+          <a:ln>
+            <a:noFill/>
+          </a:ln>
+        </p:spPr>
+        <p:txBody>
+          <a:bodyPr anchorCtr="0" anchor="t" bIns="91425" lIns="91425" spcFirstLastPara="1" rIns="91425" wrap="square" tIns="91425">
+            <a:spAutoFit/>
+          </a:bodyPr>
+          <a:lstStyle/>
+          <a:p>
+            <a:pPr indent="0" lvl="0" marL="0" rtl="0" algn="ctr">
+              <a:spcBef>
+                <a:spcPts val="0"/>
+              </a:spcBef>
+              <a:spcAft>
+                <a:spcPts val="0"/>
+              </a:spcAft>
+              <a:buNone/>
+            </a:pPr>
+            <a:r>
+              <a:rPr lang="en" sz="1200"/>
+              <a:t>Surrogate Neural Model</a:t>
+            </a:r>
+            <a:endParaRPr sz="1200"/>
+          </a:p>
+        </p:txBody>
+      </p:sp>
+      <p:cxnSp>
+        <p:nvCxnSpPr>
+          <p:cNvPr id="101" name="Google Shape;101;p13"/>
+          <p:cNvCxnSpPr>
+            <a:stCxn id="80" idx="3"/>
+            <a:endCxn id="87" idx="2"/>
+          </p:cNvCxnSpPr>
+          <p:nvPr/>
+        </p:nvCxnSpPr>
+        <p:spPr>
+          <a:xfrm flipH="1" rot="10800000">
+            <a:off x="4741275" y="3907834"/>
+            <a:ext cx="857400" cy="290400"/>
+          </a:xfrm>
+          <a:prstGeom prst="curvedConnector3">
+            <a:avLst>
+              <a:gd fmla="val 49994" name="adj1"/>
+            </a:avLst>
+          </a:prstGeom>
+          <a:noFill/>
+          <a:ln cap="flat" cmpd="sng" w="19050">
+            <a:solidFill>
+              <a:srgbClr val="CC0000"/>
+            </a:solidFill>
+            <a:prstDash val="solid"/>
+            <a:round/>
+            <a:headEnd len="med" w="med" type="none"/>
+            <a:tailEnd len="med" w="med" type="oval"/>
+          </a:ln>
+        </p:spPr>
+      </p:cxnSp>
+      <p:sp>
+        <p:nvSpPr>
+          <p:cNvPr id="102" name="Google Shape;102;p13"/>
+          <p:cNvSpPr txBox="1"/>
+          <p:nvPr/>
+        </p:nvSpPr>
+        <p:spPr>
+          <a:xfrm>
+            <a:off x="7137254" y="4234479"/>
+            <a:ext cx="1333800" cy="384900"/>
+          </a:xfrm>
+          <a:prstGeom prst="rect">
+            <a:avLst/>
+          </a:prstGeom>
+          <a:noFill/>
+          <a:ln>
+            <a:noFill/>
+          </a:ln>
+        </p:spPr>
+        <p:txBody>
+          <a:bodyPr anchorCtr="0" anchor="t" bIns="91425" lIns="91425" spcFirstLastPara="1" rIns="91425" wrap="square" tIns="91425">
+            <a:spAutoFit/>
+          </a:bodyPr>
+          <a:lstStyle/>
+          <a:p>
+            <a:pPr indent="0" lvl="0" marL="0" rtl="0" algn="ctr">
+              <a:spcBef>
+                <a:spcPts val="0"/>
+              </a:spcBef>
+              <a:spcAft>
+                <a:spcPts val="0"/>
+              </a:spcAft>
+              <a:buNone/>
+            </a:pPr>
+            <a:r>
+              <a:rPr b="1" lang="en" sz="1300">
+                <a:solidFill>
+                  <a:srgbClr val="CC0000"/>
+                </a:solidFill>
+              </a:rPr>
+              <a:t>Training Loop</a:t>
+            </a:r>
+            <a:endParaRPr b="1" sz="1300">
+              <a:solidFill>
+                <a:srgbClr val="CC0000"/>
+              </a:solidFill>
+            </a:endParaRPr>
+          </a:p>
+        </p:txBody>
+      </p:sp>
+    </p:spTree>
+  </p:cSld>
+  <p:clrMapOvr>
+    <a:masterClrMapping/>
+  </p:clrMapOvr>
+</p:sld>
+</file>
+
+<file path=ppt/slides/slide2.xml><?xml version="1.0" encoding="utf-8"?>
+<p:sld xmlns:a="http://schemas.openxmlformats.org/drawingml/2006/main" xmlns:r="http://schemas.openxmlformats.org/officeDocument/2006/relationships" xmlns:mc="http://schemas.openxmlformats.org/markup-compatibility/2006" xmlns:mv="urn:schemas-microsoft-com:mac:vml" xmlns:p="http://schemas.openxmlformats.org/presentationml/2006/main" xmlns:c="http://schemas.openxmlformats.org/drawingml/2006/chart" xmlns:dgm="http://schemas.openxmlformats.org/drawingml/2006/diagram" xmlns:o="urn:schemas-microsoft-com:office:office" xmlns:v="urn:schemas-microsoft-com:vml" xmlns:pvml="urn:schemas-microsoft-com:office:powerpoint" xmlns:com="http://schemas.openxmlformats.org/drawingml/2006/compatibility" xmlns:p14="http://schemas.microsoft.com/office/powerpoint/2010/main" xmlns:p15="http://schemas.microsoft.com/office/powerpoint/2012/main" xmlns:ahyp="http://schemas.microsoft.com/office/drawing/2018/hyperlinkcolor">
+  <p:cSld>
+    <p:spTree>
+      <p:nvGrpSpPr>
+        <p:cNvPr id="106" name="Shape 106"/>
+        <p:cNvGrpSpPr/>
+        <p:nvPr/>
+      </p:nvGrpSpPr>
+      <p:grpSpPr>
+        <a:xfrm>
+          <a:off x="0" y="0"/>
+          <a:ext cx="0" cy="0"/>
+          <a:chOff x="0" y="0"/>
+          <a:chExt cx="0" cy="0"/>
+        </a:xfrm>
+      </p:grpSpPr>
+      <p:grpSp>
+        <p:nvGrpSpPr>
+          <p:cNvPr id="107" name="Google Shape;107;p14"/>
+          <p:cNvGrpSpPr/>
+          <p:nvPr/>
+        </p:nvGrpSpPr>
+        <p:grpSpPr>
+          <a:xfrm>
+            <a:off x="6238136" y="111900"/>
+            <a:ext cx="2617500" cy="1273200"/>
+            <a:chOff x="6103486" y="1602625"/>
+            <a:chExt cx="2617500" cy="1273200"/>
+          </a:xfrm>
+        </p:grpSpPr>
+        <p:sp>
+          <p:nvSpPr>
+            <p:cNvPr id="108" name="Google Shape;108;p14"/>
+            <p:cNvSpPr/>
+            <p:nvPr/>
+          </p:nvSpPr>
+          <p:spPr>
+            <a:xfrm>
+              <a:off x="6103486" y="1602625"/>
+              <a:ext cx="2617500" cy="1273200"/>
+            </a:xfrm>
+            <a:prstGeom prst="roundRect">
+              <a:avLst>
+                <a:gd fmla="val 16667" name="adj"/>
+              </a:avLst>
+            </a:prstGeom>
+            <a:solidFill>
+              <a:srgbClr val="FFE599"/>
+            </a:solidFill>
+            <a:ln>
+              <a:noFill/>
+            </a:ln>
+          </p:spPr>
+          <p:txBody>
+            <a:bodyPr anchorCtr="0" anchor="ctr" bIns="91425" lIns="91425" spcFirstLastPara="1" rIns="91425" wrap="square" tIns="91425">
+              <a:noAutofit/>
+            </a:bodyPr>
+            <a:lstStyle/>
+            <a:p>
+              <a:pPr indent="0" lvl="0" marL="0" rtl="0" algn="l">
+                <a:spcBef>
+                  <a:spcPts val="0"/>
+                </a:spcBef>
+                <a:spcAft>
+                  <a:spcPts val="0"/>
+                </a:spcAft>
+                <a:buNone/>
+              </a:pPr>
+              <a:r>
+                <a:t/>
+              </a:r>
+              <a:endParaRPr/>
+            </a:p>
+          </p:txBody>
+        </p:sp>
+        <p:grpSp>
+          <p:nvGrpSpPr>
+            <p:cNvPr id="109" name="Google Shape;109;p14"/>
+            <p:cNvGrpSpPr/>
+            <p:nvPr/>
+          </p:nvGrpSpPr>
+          <p:grpSpPr>
+            <a:xfrm>
+              <a:off x="6210096" y="1648533"/>
+              <a:ext cx="2411260" cy="1191455"/>
+              <a:chOff x="2056375" y="1574400"/>
+              <a:chExt cx="3570650" cy="1541538"/>
+            </a:xfrm>
+          </p:grpSpPr>
+          <p:grpSp>
+            <p:nvGrpSpPr>
+              <p:cNvPr id="110" name="Google Shape;110;p14"/>
+              <p:cNvGrpSpPr/>
+              <p:nvPr/>
+            </p:nvGrpSpPr>
+            <p:grpSpPr>
+              <a:xfrm>
+                <a:off x="2233262" y="1574400"/>
+                <a:ext cx="3233190" cy="1541538"/>
+                <a:chOff x="2289500" y="1554638"/>
+                <a:chExt cx="3233190" cy="1541538"/>
+              </a:xfrm>
+            </p:grpSpPr>
+            <p:pic>
+              <p:nvPicPr>
+                <p:cNvPr id="111" name="Google Shape;111;p14"/>
+                <p:cNvPicPr preferRelativeResize="0"/>
+                <p:nvPr/>
+              </p:nvPicPr>
+              <p:blipFill>
+                <a:blip r:embed="rId3">
+                  <a:alphaModFix/>
+                </a:blip>
+                <a:stretch>
+                  <a:fillRect/>
+                </a:stretch>
+              </p:blipFill>
+              <p:spPr>
+                <a:xfrm>
+                  <a:off x="2289500" y="1555775"/>
+                  <a:ext cx="1499750" cy="1499750"/>
+                </a:xfrm>
+                <a:prstGeom prst="rect">
+                  <a:avLst/>
+                </a:prstGeom>
+                <a:noFill/>
+                <a:ln>
+                  <a:noFill/>
+                </a:ln>
+              </p:spPr>
+            </p:pic>
+            <p:grpSp>
+              <p:nvGrpSpPr>
+                <p:cNvPr id="112" name="Google Shape;112;p14"/>
+                <p:cNvGrpSpPr/>
+                <p:nvPr/>
+              </p:nvGrpSpPr>
+              <p:grpSpPr>
+                <a:xfrm>
+                  <a:off x="3855127" y="1554638"/>
+                  <a:ext cx="600775" cy="1502025"/>
+                  <a:chOff x="3671614" y="2927975"/>
+                  <a:chExt cx="600775" cy="1502025"/>
+                </a:xfrm>
+              </p:grpSpPr>
+              <p:pic>
+                <p:nvPicPr>
+                  <p:cNvPr id="113" name="Google Shape;113;p14"/>
+                  <p:cNvPicPr preferRelativeResize="0"/>
+                  <p:nvPr/>
+                </p:nvPicPr>
+                <p:blipFill rotWithShape="1">
+                  <a:blip r:embed="rId4">
+                    <a:alphaModFix/>
+                  </a:blip>
+                  <a:srcRect b="0" l="84684" r="0" t="0"/>
+                  <a:stretch/>
+                </p:blipFill>
+                <p:spPr>
+                  <a:xfrm>
+                    <a:off x="4042690" y="2930250"/>
+                    <a:ext cx="229700" cy="1499750"/>
+                  </a:xfrm>
+                  <a:prstGeom prst="rect">
+                    <a:avLst/>
+                  </a:prstGeom>
+                  <a:noFill/>
+                  <a:ln>
+                    <a:noFill/>
+                  </a:ln>
+                  <a:effectLst>
+                    <a:outerShdw blurRad="57150" rotWithShape="0" algn="bl" dir="5400000" dist="19050">
+                      <a:srgbClr val="000000">
+                        <a:alpha val="50000"/>
+                      </a:srgbClr>
+                    </a:outerShdw>
+                  </a:effectLst>
+                </p:spPr>
+              </p:pic>
+              <p:pic>
+                <p:nvPicPr>
+                  <p:cNvPr id="114" name="Google Shape;114;p14"/>
+                  <p:cNvPicPr preferRelativeResize="0"/>
+                  <p:nvPr/>
+                </p:nvPicPr>
+                <p:blipFill rotWithShape="1">
+                  <a:blip r:embed="rId4">
+                    <a:alphaModFix/>
+                  </a:blip>
+                  <a:srcRect b="0" l="0" r="84684" t="0"/>
+                  <a:stretch/>
+                </p:blipFill>
+                <p:spPr>
+                  <a:xfrm>
+                    <a:off x="3671614" y="2927975"/>
+                    <a:ext cx="229700" cy="1499750"/>
+                  </a:xfrm>
+                  <a:prstGeom prst="rect">
+                    <a:avLst/>
+                  </a:prstGeom>
+                  <a:noFill/>
+                  <a:ln>
+                    <a:noFill/>
+                  </a:ln>
+                  <a:effectLst>
+                    <a:outerShdw blurRad="57150" rotWithShape="0" algn="bl" dir="5400000" dist="19050">
+                      <a:srgbClr val="000000">
+                        <a:alpha val="50000"/>
+                      </a:srgbClr>
+                    </a:outerShdw>
+                  </a:effectLst>
+                </p:spPr>
+              </p:pic>
+              <p:pic>
+                <p:nvPicPr>
+                  <p:cNvPr id="115" name="Google Shape;115;p14"/>
+                  <p:cNvPicPr preferRelativeResize="0"/>
+                  <p:nvPr/>
+                </p:nvPicPr>
+                <p:blipFill rotWithShape="1">
+                  <a:blip r:embed="rId4">
+                    <a:alphaModFix/>
+                  </a:blip>
+                  <a:srcRect b="0" l="39197" r="38736" t="0"/>
+                  <a:stretch/>
+                </p:blipFill>
+                <p:spPr>
+                  <a:xfrm>
+                    <a:off x="3800975" y="2930250"/>
+                    <a:ext cx="330950" cy="1499750"/>
+                  </a:xfrm>
+                  <a:prstGeom prst="rect">
+                    <a:avLst/>
+                  </a:prstGeom>
+                  <a:noFill/>
+                  <a:ln>
+                    <a:noFill/>
+                  </a:ln>
+                  <a:effectLst>
+                    <a:outerShdw blurRad="57150" rotWithShape="0" algn="bl" dir="5400000" dist="19050">
+                      <a:srgbClr val="000000">
+                        <a:alpha val="50000"/>
+                      </a:srgbClr>
+                    </a:outerShdw>
+                  </a:effectLst>
+                </p:spPr>
+              </p:pic>
+            </p:grpSp>
+            <p:grpSp>
+              <p:nvGrpSpPr>
+                <p:cNvPr id="116" name="Google Shape;116;p14"/>
+                <p:cNvGrpSpPr/>
+                <p:nvPr/>
+              </p:nvGrpSpPr>
+              <p:grpSpPr>
+                <a:xfrm>
+                  <a:off x="4921914" y="1594150"/>
+                  <a:ext cx="600775" cy="1502025"/>
+                  <a:chOff x="3671614" y="2927975"/>
+                  <a:chExt cx="600775" cy="1502025"/>
+                </a:xfrm>
+              </p:grpSpPr>
+              <p:pic>
+                <p:nvPicPr>
+                  <p:cNvPr id="117" name="Google Shape;117;p14"/>
+                  <p:cNvPicPr preferRelativeResize="0"/>
+                  <p:nvPr/>
+                </p:nvPicPr>
+                <p:blipFill rotWithShape="1">
+                  <a:blip r:embed="rId5">
+                    <a:alphaModFix/>
+                  </a:blip>
+                  <a:srcRect b="0" l="84684" r="0" t="0"/>
+                  <a:stretch/>
+                </p:blipFill>
+                <p:spPr>
+                  <a:xfrm>
+                    <a:off x="4042690" y="2930250"/>
+                    <a:ext cx="229700" cy="1499750"/>
+                  </a:xfrm>
+                  <a:prstGeom prst="rect">
+                    <a:avLst/>
+                  </a:prstGeom>
+                  <a:noFill/>
+                  <a:ln>
+                    <a:noFill/>
+                  </a:ln>
+                  <a:effectLst>
+                    <a:outerShdw blurRad="57150" rotWithShape="0" algn="bl" dir="5400000" dist="19050">
+                      <a:srgbClr val="000000">
+                        <a:alpha val="50000"/>
+                      </a:srgbClr>
+                    </a:outerShdw>
+                  </a:effectLst>
+                </p:spPr>
+              </p:pic>
+              <p:pic>
+                <p:nvPicPr>
+                  <p:cNvPr id="118" name="Google Shape;118;p14"/>
+                  <p:cNvPicPr preferRelativeResize="0"/>
+                  <p:nvPr/>
+                </p:nvPicPr>
+                <p:blipFill rotWithShape="1">
+                  <a:blip r:embed="rId5">
+                    <a:alphaModFix/>
+                  </a:blip>
+                  <a:srcRect b="0" l="0" r="84684" t="0"/>
+                  <a:stretch/>
+                </p:blipFill>
+                <p:spPr>
+                  <a:xfrm>
+                    <a:off x="3671614" y="2927975"/>
+                    <a:ext cx="229700" cy="1499750"/>
+                  </a:xfrm>
+                  <a:prstGeom prst="rect">
+                    <a:avLst/>
+                  </a:prstGeom>
+                  <a:noFill/>
+                  <a:ln>
+                    <a:noFill/>
+                  </a:ln>
+                  <a:effectLst>
+                    <a:outerShdw blurRad="57150" rotWithShape="0" algn="bl" dir="5400000" dist="19050">
+                      <a:srgbClr val="000000">
+                        <a:alpha val="50000"/>
+                      </a:srgbClr>
+                    </a:outerShdw>
+                  </a:effectLst>
+                </p:spPr>
+              </p:pic>
+              <p:pic>
+                <p:nvPicPr>
+                  <p:cNvPr id="119" name="Google Shape;119;p14"/>
+                  <p:cNvPicPr preferRelativeResize="0"/>
+                  <p:nvPr/>
+                </p:nvPicPr>
+                <p:blipFill rotWithShape="1">
+                  <a:blip r:embed="rId5">
+                    <a:alphaModFix/>
+                  </a:blip>
+                  <a:srcRect b="0" l="39197" r="38736" t="0"/>
+                  <a:stretch/>
+                </p:blipFill>
+                <p:spPr>
+                  <a:xfrm>
+                    <a:off x="3800975" y="2930250"/>
+                    <a:ext cx="330950" cy="1499750"/>
+                  </a:xfrm>
+                  <a:prstGeom prst="rect">
+                    <a:avLst/>
+                  </a:prstGeom>
+                  <a:noFill/>
+                  <a:ln>
+                    <a:noFill/>
+                  </a:ln>
+                  <a:effectLst>
+                    <a:outerShdw blurRad="57150" rotWithShape="0" algn="bl" dir="5400000" dist="19050">
+                      <a:srgbClr val="000000">
+                        <a:alpha val="50000"/>
+                      </a:srgbClr>
+                    </a:outerShdw>
+                  </a:effectLst>
+                </p:spPr>
+              </p:pic>
+            </p:grpSp>
+            <p:sp>
+              <p:nvSpPr>
+                <p:cNvPr id="120" name="Google Shape;120;p14"/>
+                <p:cNvSpPr/>
+                <p:nvPr/>
+              </p:nvSpPr>
+              <p:spPr>
+                <a:xfrm>
+                  <a:off x="4551363" y="2227113"/>
+                  <a:ext cx="275100" cy="236100"/>
+                </a:xfrm>
+                <a:prstGeom prst="mathMinus">
+                  <a:avLst>
+                    <a:gd fmla="val 23520" name="adj1"/>
+                  </a:avLst>
+                </a:prstGeom>
+                <a:solidFill>
+                  <a:srgbClr val="000000"/>
+                </a:solidFill>
+                <a:ln>
+                  <a:noFill/>
+                </a:ln>
+              </p:spPr>
+              <p:txBody>
+                <a:bodyPr anchorCtr="0" anchor="ctr" bIns="91425" lIns="91425" spcFirstLastPara="1" rIns="91425" wrap="square" tIns="91425">
+                  <a:noAutofit/>
+                </a:bodyPr>
+                <a:lstStyle/>
+                <a:p>
+                  <a:pPr indent="0" lvl="0" marL="0" rtl="0" algn="l">
+                    <a:spcBef>
+                      <a:spcPts val="0"/>
+                    </a:spcBef>
+                    <a:spcAft>
+                      <a:spcPts val="0"/>
+                    </a:spcAft>
+                    <a:buNone/>
+                  </a:pPr>
+                  <a:r>
+                    <a:t/>
+                  </a:r>
+                  <a:endParaRPr/>
+                </a:p>
+              </p:txBody>
+            </p:sp>
+          </p:grpSp>
+          <p:grpSp>
+            <p:nvGrpSpPr>
+              <p:cNvPr id="121" name="Google Shape;121;p14"/>
+              <p:cNvGrpSpPr/>
+              <p:nvPr/>
+            </p:nvGrpSpPr>
+            <p:grpSpPr>
+              <a:xfrm>
+                <a:off x="2056375" y="1620663"/>
+                <a:ext cx="54750" cy="1449000"/>
+                <a:chOff x="2056375" y="1620663"/>
+                <a:chExt cx="54750" cy="1449000"/>
+              </a:xfrm>
+            </p:grpSpPr>
+            <p:cxnSp>
+              <p:nvCxnSpPr>
+                <p:cNvPr id="122" name="Google Shape;122;p14"/>
+                <p:cNvCxnSpPr/>
+                <p:nvPr/>
+              </p:nvCxnSpPr>
+              <p:spPr>
+                <a:xfrm>
+                  <a:off x="2056375" y="1620663"/>
+                  <a:ext cx="0" cy="1449000"/>
+                </a:xfrm>
+                <a:prstGeom prst="straightConnector1">
+                  <a:avLst/>
+                </a:prstGeom>
+                <a:noFill/>
+                <a:ln cap="flat" cmpd="sng" w="9525">
+                  <a:solidFill>
+                    <a:srgbClr val="595959"/>
+                  </a:solidFill>
+                  <a:prstDash val="solid"/>
+                  <a:round/>
+                  <a:headEnd len="med" w="med" type="none"/>
+                  <a:tailEnd len="med" w="med" type="none"/>
+                </a:ln>
+              </p:spPr>
+            </p:cxnSp>
+            <p:cxnSp>
+              <p:nvCxnSpPr>
+                <p:cNvPr id="123" name="Google Shape;123;p14"/>
+                <p:cNvCxnSpPr/>
+                <p:nvPr/>
+              </p:nvCxnSpPr>
+              <p:spPr>
+                <a:xfrm>
+                  <a:off x="2111125" y="1620663"/>
+                  <a:ext cx="0" cy="1449000"/>
+                </a:xfrm>
+                <a:prstGeom prst="straightConnector1">
+                  <a:avLst/>
+                </a:prstGeom>
+                <a:noFill/>
+                <a:ln cap="flat" cmpd="sng" w="9525">
+                  <a:solidFill>
+                    <a:srgbClr val="595959"/>
+                  </a:solidFill>
+                  <a:prstDash val="solid"/>
+                  <a:round/>
+                  <a:headEnd len="med" w="med" type="none"/>
+                  <a:tailEnd len="med" w="med" type="none"/>
+                </a:ln>
+              </p:spPr>
+            </p:cxnSp>
+          </p:grpSp>
+          <p:grpSp>
+            <p:nvGrpSpPr>
+              <p:cNvPr id="124" name="Google Shape;124;p14"/>
+              <p:cNvGrpSpPr/>
+              <p:nvPr/>
+            </p:nvGrpSpPr>
+            <p:grpSpPr>
+              <a:xfrm>
+                <a:off x="5572275" y="1620663"/>
+                <a:ext cx="54750" cy="1449000"/>
+                <a:chOff x="2056375" y="1620663"/>
+                <a:chExt cx="54750" cy="1449000"/>
+              </a:xfrm>
+            </p:grpSpPr>
+            <p:cxnSp>
+              <p:nvCxnSpPr>
+                <p:cNvPr id="125" name="Google Shape;125;p14"/>
+                <p:cNvCxnSpPr/>
+                <p:nvPr/>
+              </p:nvCxnSpPr>
+              <p:spPr>
+                <a:xfrm>
+                  <a:off x="2056375" y="1620663"/>
+                  <a:ext cx="0" cy="1449000"/>
+                </a:xfrm>
+                <a:prstGeom prst="straightConnector1">
+                  <a:avLst/>
+                </a:prstGeom>
+                <a:noFill/>
+                <a:ln cap="flat" cmpd="sng" w="9525">
+                  <a:solidFill>
+                    <a:srgbClr val="595959"/>
+                  </a:solidFill>
+                  <a:prstDash val="solid"/>
+                  <a:round/>
+                  <a:headEnd len="med" w="med" type="none"/>
+                  <a:tailEnd len="med" w="med" type="none"/>
+                </a:ln>
+              </p:spPr>
+            </p:cxnSp>
+            <p:cxnSp>
+              <p:nvCxnSpPr>
+                <p:cNvPr id="126" name="Google Shape;126;p14"/>
+                <p:cNvCxnSpPr/>
+                <p:nvPr/>
+              </p:nvCxnSpPr>
+              <p:spPr>
+                <a:xfrm>
+                  <a:off x="2111125" y="1620663"/>
+                  <a:ext cx="0" cy="1449000"/>
+                </a:xfrm>
+                <a:prstGeom prst="straightConnector1">
+                  <a:avLst/>
+                </a:prstGeom>
+                <a:noFill/>
+                <a:ln cap="flat" cmpd="sng" w="9525">
+                  <a:solidFill>
+                    <a:srgbClr val="595959"/>
+                  </a:solidFill>
+                  <a:prstDash val="solid"/>
+                  <a:round/>
+                  <a:headEnd len="med" w="med" type="none"/>
+                  <a:tailEnd len="med" w="med" type="none"/>
+                </a:ln>
+              </p:spPr>
+            </p:cxnSp>
+          </p:grpSp>
+        </p:grpSp>
+      </p:grpSp>
+      <p:cxnSp>
+        <p:nvCxnSpPr>
+          <p:cNvPr id="127" name="Google Shape;127;p14"/>
+          <p:cNvCxnSpPr>
+            <a:stCxn id="128" idx="3"/>
+            <a:endCxn id="111" idx="2"/>
+          </p:cNvCxnSpPr>
+          <p:nvPr/>
+        </p:nvCxnSpPr>
+        <p:spPr>
+          <a:xfrm flipH="1" rot="10800000">
+            <a:off x="4656674" y="1317832"/>
+            <a:ext cx="2313900" cy="600300"/>
+          </a:xfrm>
+          <a:prstGeom prst="bentConnector2">
+            <a:avLst/>
+          </a:prstGeom>
+          <a:noFill/>
+          <a:ln cap="flat" cmpd="sng" w="19050">
+            <a:solidFill>
+              <a:srgbClr val="595959"/>
+            </a:solidFill>
+            <a:prstDash val="solid"/>
+            <a:round/>
+            <a:headEnd len="med" w="med" type="none"/>
+            <a:tailEnd len="med" w="med" type="stealth"/>
+          </a:ln>
+        </p:spPr>
+      </p:cxnSp>
+      <p:cxnSp>
+        <p:nvCxnSpPr>
+          <p:cNvPr id="129" name="Google Shape;129;p14"/>
+          <p:cNvCxnSpPr>
+            <a:stCxn id="130" idx="3"/>
+            <a:endCxn id="128" idx="1"/>
+          </p:cNvCxnSpPr>
+          <p:nvPr/>
+        </p:nvCxnSpPr>
+        <p:spPr>
+          <a:xfrm flipH="1" rot="10800000">
+            <a:off x="2221712" y="1918092"/>
+            <a:ext cx="769800" cy="1093200"/>
+          </a:xfrm>
+          <a:prstGeom prst="bentConnector3">
+            <a:avLst>
+              <a:gd fmla="val 49999" name="adj1"/>
+            </a:avLst>
+          </a:prstGeom>
+          <a:noFill/>
+          <a:ln cap="flat" cmpd="sng" w="19050">
+            <a:solidFill>
+              <a:srgbClr val="595959"/>
+            </a:solidFill>
+            <a:prstDash val="solid"/>
+            <a:round/>
+            <a:headEnd len="med" w="med" type="none"/>
+            <a:tailEnd len="med" w="med" type="stealth"/>
+          </a:ln>
+        </p:spPr>
+      </p:cxnSp>
+      <p:cxnSp>
+        <p:nvCxnSpPr>
+          <p:cNvPr id="131" name="Google Shape;131;p14"/>
+          <p:cNvCxnSpPr>
+            <a:stCxn id="130" idx="3"/>
+            <a:endCxn id="132" idx="1"/>
+          </p:cNvCxnSpPr>
+          <p:nvPr/>
+        </p:nvCxnSpPr>
+        <p:spPr>
+          <a:xfrm>
+            <a:off x="2221712" y="3011292"/>
+            <a:ext cx="768000" cy="1186800"/>
+          </a:xfrm>
+          <a:prstGeom prst="bentConnector3">
+            <a:avLst>
+              <a:gd fmla="val 50006" name="adj1"/>
+            </a:avLst>
+          </a:prstGeom>
+          <a:noFill/>
+          <a:ln cap="flat" cmpd="sng" w="19050">
+            <a:solidFill>
+              <a:srgbClr val="595959"/>
+            </a:solidFill>
+            <a:prstDash val="solid"/>
+            <a:round/>
+            <a:headEnd len="med" w="med" type="none"/>
+            <a:tailEnd len="med" w="med" type="stealth"/>
+          </a:ln>
+        </p:spPr>
+      </p:cxnSp>
+      <p:cxnSp>
+        <p:nvCxnSpPr>
+          <p:cNvPr id="133" name="Google Shape;133;p14"/>
+          <p:cNvCxnSpPr>
+            <a:stCxn id="108" idx="3"/>
+            <a:endCxn id="132" idx="2"/>
+          </p:cNvCxnSpPr>
+          <p:nvPr/>
+        </p:nvCxnSpPr>
+        <p:spPr>
+          <a:xfrm flipH="1">
+            <a:off x="3865436" y="748500"/>
+            <a:ext cx="4990200" cy="4061400"/>
+          </a:xfrm>
+          <a:prstGeom prst="bentConnector4">
+            <a:avLst>
+              <a:gd fmla="val -4772" name="adj1"/>
+              <a:gd fmla="val 105859" name="adj2"/>
+            </a:avLst>
+          </a:prstGeom>
+          <a:noFill/>
+          <a:ln cap="flat" cmpd="sng" w="28575">
+            <a:solidFill>
+              <a:srgbClr val="CC0000"/>
+            </a:solidFill>
+            <a:prstDash val="solid"/>
+            <a:round/>
+            <a:headEnd len="med" w="med" type="none"/>
+            <a:tailEnd len="med" w="med" type="stealth"/>
+          </a:ln>
+        </p:spPr>
+      </p:cxnSp>
+      <p:sp>
+        <p:nvSpPr>
+          <p:cNvPr id="134" name="Google Shape;134;p14"/>
+          <p:cNvSpPr txBox="1"/>
+          <p:nvPr/>
+        </p:nvSpPr>
+        <p:spPr>
+          <a:xfrm>
+            <a:off x="7137254" y="4234479"/>
+            <a:ext cx="1333800" cy="384900"/>
+          </a:xfrm>
+          <a:prstGeom prst="rect">
+            <a:avLst/>
+          </a:prstGeom>
+          <a:noFill/>
+          <a:ln>
+            <a:noFill/>
+          </a:ln>
+        </p:spPr>
+        <p:txBody>
+          <a:bodyPr anchorCtr="0" anchor="t" bIns="91425" lIns="91425" spcFirstLastPara="1" rIns="91425" wrap="square" tIns="91425">
+            <a:spAutoFit/>
+          </a:bodyPr>
+          <a:lstStyle/>
+          <a:p>
+            <a:pPr indent="0" lvl="0" marL="0" rtl="0" algn="ctr">
+              <a:spcBef>
+                <a:spcPts val="0"/>
+              </a:spcBef>
+              <a:spcAft>
+                <a:spcPts val="0"/>
+              </a:spcAft>
+              <a:buNone/>
+            </a:pPr>
+            <a:r>
+              <a:rPr b="1" lang="en" sz="1300">
+                <a:solidFill>
+                  <a:srgbClr val="CC0000"/>
+                </a:solidFill>
+              </a:rPr>
+              <a:t>Training Loop</a:t>
+            </a:r>
+            <a:endParaRPr b="1" sz="1300">
+              <a:solidFill>
+                <a:srgbClr val="CC0000"/>
+              </a:solidFill>
+            </a:endParaRPr>
+          </a:p>
+        </p:txBody>
+      </p:sp>
+      <p:grpSp>
+        <p:nvGrpSpPr>
+          <p:cNvPr id="135" name="Google Shape;135;p14"/>
+          <p:cNvGrpSpPr/>
+          <p:nvPr/>
+        </p:nvGrpSpPr>
+        <p:grpSpPr>
+          <a:xfrm>
+            <a:off x="79786" y="1873701"/>
+            <a:ext cx="2141926" cy="2627885"/>
+            <a:chOff x="232186" y="1492701"/>
+            <a:chExt cx="2141926" cy="2627885"/>
+          </a:xfrm>
+        </p:grpSpPr>
+        <p:sp>
+          <p:nvSpPr>
+            <p:cNvPr id="136" name="Google Shape;136;p14"/>
+            <p:cNvSpPr txBox="1"/>
+            <p:nvPr/>
+          </p:nvSpPr>
+          <p:spPr>
+            <a:xfrm>
+              <a:off x="249091" y="3751285"/>
+              <a:ext cx="2108109" cy="369301"/>
+            </a:xfrm>
+            <a:prstGeom prst="rect">
+              <a:avLst/>
+            </a:prstGeom>
+            <a:noFill/>
+            <a:ln>
+              <a:noFill/>
+            </a:ln>
+          </p:spPr>
+          <p:txBody>
+            <a:bodyPr anchorCtr="0" anchor="t" bIns="91425" lIns="91425" spcFirstLastPara="1" rIns="91425" wrap="square" tIns="91425">
+              <a:spAutoFit/>
+            </a:bodyPr>
+            <a:lstStyle/>
+            <a:p>
+              <a:pPr indent="0" lvl="0" marL="0" rtl="0" algn="ctr">
+                <a:spcBef>
+                  <a:spcPts val="0"/>
+                </a:spcBef>
+                <a:spcAft>
+                  <a:spcPts val="0"/>
+                </a:spcAft>
+                <a:buNone/>
+              </a:pPr>
+              <a:r>
+                <a:rPr lang="en" sz="1200"/>
+                <a:t>Mesh</a:t>
+              </a:r>
+              <a:endParaRPr sz="1200"/>
+            </a:p>
+          </p:txBody>
+        </p:sp>
+        <p:pic>
+          <p:nvPicPr>
+            <p:cNvPr id="130" name="Google Shape;130;p14"/>
+            <p:cNvPicPr preferRelativeResize="0"/>
+            <p:nvPr/>
+          </p:nvPicPr>
+          <p:blipFill>
+            <a:blip r:embed="rId6">
+              <a:alphaModFix/>
+            </a:blip>
+            <a:stretch>
+              <a:fillRect/>
+            </a:stretch>
+          </p:blipFill>
+          <p:spPr>
+            <a:xfrm>
+              <a:off x="232186" y="1492701"/>
+              <a:ext cx="2141926" cy="2275181"/>
+            </a:xfrm>
+            <a:prstGeom prst="rect">
+              <a:avLst/>
+            </a:prstGeom>
+            <a:noFill/>
+            <a:ln>
+              <a:noFill/>
+            </a:ln>
+          </p:spPr>
+        </p:pic>
+      </p:grpSp>
+      <p:grpSp>
+        <p:nvGrpSpPr>
+          <p:cNvPr id="137" name="Google Shape;137;p14"/>
+          <p:cNvGrpSpPr/>
+          <p:nvPr/>
+        </p:nvGrpSpPr>
+        <p:grpSpPr>
+          <a:xfrm>
+            <a:off x="2801346" y="690809"/>
+            <a:ext cx="2108100" cy="2111706"/>
+            <a:chOff x="3258546" y="56659"/>
+            <a:chExt cx="2108100" cy="2111706"/>
+          </a:xfrm>
+        </p:grpSpPr>
+        <p:sp>
+          <p:nvSpPr>
+            <p:cNvPr id="138" name="Google Shape;138;p14"/>
+            <p:cNvSpPr txBox="1"/>
+            <p:nvPr/>
+          </p:nvSpPr>
+          <p:spPr>
+            <a:xfrm>
+              <a:off x="3258546" y="56659"/>
+              <a:ext cx="2108100" cy="369300"/>
+            </a:xfrm>
+            <a:prstGeom prst="rect">
+              <a:avLst/>
+            </a:prstGeom>
+            <a:noFill/>
+            <a:ln>
+              <a:noFill/>
+            </a:ln>
+          </p:spPr>
+          <p:txBody>
+            <a:bodyPr anchorCtr="0" anchor="t" bIns="91425" lIns="91425" spcFirstLastPara="1" rIns="91425" wrap="square" tIns="91425">
+              <a:spAutoFit/>
+            </a:bodyPr>
+            <a:lstStyle/>
+            <a:p>
+              <a:pPr indent="0" lvl="0" marL="0" rtl="0" algn="ctr">
+                <a:spcBef>
+                  <a:spcPts val="0"/>
+                </a:spcBef>
+                <a:spcAft>
+                  <a:spcPts val="0"/>
+                </a:spcAft>
+                <a:buNone/>
+              </a:pPr>
+              <a:r>
+                <a:rPr lang="en" sz="1200"/>
+                <a:t>Assemble Linear System</a:t>
+              </a:r>
+              <a:endParaRPr sz="1200"/>
+            </a:p>
+          </p:txBody>
+        </p:sp>
+        <p:pic>
+          <p:nvPicPr>
+            <p:cNvPr id="128" name="Google Shape;128;p14"/>
+            <p:cNvPicPr preferRelativeResize="0"/>
+            <p:nvPr/>
+          </p:nvPicPr>
+          <p:blipFill>
+            <a:blip r:embed="rId7">
+              <a:alphaModFix/>
+            </a:blip>
+            <a:stretch>
+              <a:fillRect/>
+            </a:stretch>
+          </p:blipFill>
+          <p:spPr>
+            <a:xfrm>
+              <a:off x="3448698" y="399600"/>
+              <a:ext cx="1665176" cy="1768765"/>
+            </a:xfrm>
+            <a:prstGeom prst="rect">
+              <a:avLst/>
+            </a:prstGeom>
+            <a:noFill/>
+            <a:ln>
+              <a:noFill/>
+            </a:ln>
+          </p:spPr>
+        </p:pic>
+      </p:grpSp>
+      <p:grpSp>
+        <p:nvGrpSpPr>
+          <p:cNvPr id="139" name="Google Shape;139;p14"/>
+          <p:cNvGrpSpPr/>
+          <p:nvPr/>
+        </p:nvGrpSpPr>
+        <p:grpSpPr>
+          <a:xfrm>
+            <a:off x="2989803" y="3414605"/>
+            <a:ext cx="1919639" cy="1395146"/>
+            <a:chOff x="3489503" y="3332055"/>
+            <a:chExt cx="1919639" cy="1395146"/>
+          </a:xfrm>
+        </p:grpSpPr>
+        <p:sp>
+          <p:nvSpPr>
+            <p:cNvPr id="140" name="Google Shape;140;p14"/>
+            <p:cNvSpPr/>
+            <p:nvPr/>
+          </p:nvSpPr>
+          <p:spPr>
+            <a:xfrm>
+              <a:off x="3657742" y="3332055"/>
+              <a:ext cx="1751400" cy="1223100"/>
+            </a:xfrm>
+            <a:prstGeom prst="rect">
+              <a:avLst/>
+            </a:prstGeom>
+            <a:solidFill>
+              <a:srgbClr val="D9EAD3"/>
+            </a:solidFill>
+            <a:ln cap="flat" cmpd="sng" w="9525">
+              <a:solidFill>
+                <a:schemeClr val="dk2"/>
+              </a:solidFill>
+              <a:prstDash val="solid"/>
+              <a:round/>
+              <a:headEnd len="sm" w="sm" type="none"/>
+              <a:tailEnd len="sm" w="sm" type="none"/>
+            </a:ln>
+          </p:spPr>
+          <p:txBody>
+            <a:bodyPr anchorCtr="0" anchor="ctr" bIns="91425" lIns="91425" spcFirstLastPara="1" rIns="91425" wrap="square" tIns="91425">
+              <a:noAutofit/>
+            </a:bodyPr>
+            <a:lstStyle/>
+            <a:p>
+              <a:pPr indent="0" lvl="0" marL="0" rtl="0" algn="l">
+                <a:spcBef>
+                  <a:spcPts val="0"/>
+                </a:spcBef>
+                <a:spcAft>
+                  <a:spcPts val="0"/>
+                </a:spcAft>
+                <a:buNone/>
+              </a:pPr>
+              <a:r>
+                <a:t/>
+              </a:r>
+              <a:endParaRPr/>
+            </a:p>
+          </p:txBody>
+        </p:sp>
+        <p:grpSp>
+          <p:nvGrpSpPr>
+            <p:cNvPr id="141" name="Google Shape;141;p14"/>
+            <p:cNvGrpSpPr/>
+            <p:nvPr/>
+          </p:nvGrpSpPr>
+          <p:grpSpPr>
+            <a:xfrm>
+              <a:off x="3489503" y="3504166"/>
+              <a:ext cx="1751472" cy="1223035"/>
+              <a:chOff x="718725" y="335052"/>
+              <a:chExt cx="1474800" cy="997500"/>
+            </a:xfrm>
+          </p:grpSpPr>
+          <p:sp>
+            <p:nvSpPr>
+              <p:cNvPr id="132" name="Google Shape;132;p14"/>
+              <p:cNvSpPr/>
+              <p:nvPr/>
+            </p:nvSpPr>
+            <p:spPr>
+              <a:xfrm>
+                <a:off x="718725" y="335052"/>
+                <a:ext cx="1474800" cy="997500"/>
+              </a:xfrm>
+              <a:prstGeom prst="rect">
+                <a:avLst/>
+              </a:prstGeom>
+              <a:solidFill>
+                <a:schemeClr val="lt1"/>
+              </a:solidFill>
+              <a:ln cap="flat" cmpd="sng" w="9525">
+                <a:solidFill>
+                  <a:schemeClr val="dk2"/>
+                </a:solidFill>
+                <a:prstDash val="solid"/>
+                <a:round/>
+                <a:headEnd len="sm" w="sm" type="none"/>
+                <a:tailEnd len="sm" w="sm" type="none"/>
+              </a:ln>
+            </p:spPr>
+            <p:txBody>
+              <a:bodyPr anchorCtr="0" anchor="ctr" bIns="91425" lIns="91425" spcFirstLastPara="1" rIns="91425" wrap="square" tIns="91425">
+                <a:noAutofit/>
+              </a:bodyPr>
+              <a:lstStyle/>
+              <a:p>
+                <a:pPr indent="0" lvl="0" marL="0" rtl="0" algn="l">
+                  <a:spcBef>
+                    <a:spcPts val="0"/>
+                  </a:spcBef>
+                  <a:spcAft>
+                    <a:spcPts val="0"/>
+                  </a:spcAft>
+                  <a:buNone/>
+                </a:pPr>
+                <a:r>
+                  <a:t/>
+                </a:r>
+                <a:endParaRPr/>
+              </a:p>
+            </p:txBody>
+          </p:sp>
+          <p:pic>
+            <p:nvPicPr>
+              <p:cNvPr id="142" name="Google Shape;142;p14"/>
               <p:cNvPicPr preferRelativeResize="0"/>
               <p:nvPr/>
             </p:nvPicPr>
@@ -7769,7 +8067,7 @@
       </p:grpSp>
       <p:sp>
         <p:nvSpPr>
-          <p:cNvPr id="134" name="Google Shape;134;p14"/>
+          <p:cNvPr id="143" name="Google Shape;143;p14"/>
           <p:cNvSpPr/>
           <p:nvPr/>
         </p:nvSpPr>
@@ -7817,10 +8115,10 @@
       </p:sp>
       <p:cxnSp>
         <p:nvCxnSpPr>
-          <p:cNvPr id="135" name="Google Shape;135;p14"/>
+          <p:cNvPr id="144" name="Google Shape;144;p14"/>
           <p:cNvCxnSpPr>
-            <a:stCxn id="123" idx="3"/>
-            <a:endCxn id="136" idx="2"/>
+            <a:stCxn id="132" idx="3"/>
+            <a:endCxn id="145" idx="2"/>
           </p:cNvCxnSpPr>
           <p:nvPr/>
         </p:nvCxnSpPr>
@@ -7848,10 +8146,10 @@
       </p:cxnSp>
       <p:cxnSp>
         <p:nvCxnSpPr>
-          <p:cNvPr id="137" name="Google Shape;137;p14"/>
+          <p:cNvPr id="146" name="Google Shape;146;p14"/>
           <p:cNvCxnSpPr>
-            <a:stCxn id="131" idx="3"/>
-            <a:endCxn id="136" idx="2"/>
+            <a:stCxn id="140" idx="3"/>
+            <a:endCxn id="145" idx="2"/>
           </p:cNvCxnSpPr>
           <p:nvPr/>
         </p:nvCxnSpPr>
@@ -7879,17 +8177,17 @@
       </p:cxnSp>
       <p:cxnSp>
         <p:nvCxnSpPr>
-          <p:cNvPr id="138" name="Google Shape;138;p14"/>
+          <p:cNvPr id="147" name="Google Shape;147;p14"/>
           <p:cNvCxnSpPr>
-            <a:stCxn id="134" idx="3"/>
-            <a:endCxn id="110" idx="2"/>
+            <a:stCxn id="143" idx="3"/>
+            <a:endCxn id="119" idx="2"/>
           </p:cNvCxnSpPr>
           <p:nvPr/>
         </p:nvCxnSpPr>
         <p:spPr>
           <a:xfrm flipH="1" rot="10800000">
-            <a:off x="7639107" y="1359788"/>
-            <a:ext cx="801900" cy="1425000"/>
+            <a:off x="7639107" y="1349288"/>
+            <a:ext cx="801900" cy="1435500"/>
           </a:xfrm>
           <a:prstGeom prst="curvedConnector2">
             <a:avLst/>
@@ -7908,10 +8206,10 @@
       </p:cxnSp>
       <p:cxnSp>
         <p:nvCxnSpPr>
-          <p:cNvPr id="139" name="Google Shape;139;p14"/>
+          <p:cNvPr id="148" name="Google Shape;148;p14"/>
           <p:cNvCxnSpPr>
-            <a:stCxn id="119" idx="3"/>
-            <a:endCxn id="134" idx="0"/>
+            <a:stCxn id="128" idx="3"/>
+            <a:endCxn id="143" idx="0"/>
           </p:cNvCxnSpPr>
           <p:nvPr/>
         </p:nvCxnSpPr>
@@ -7937,10 +8235,10 @@
       </p:cxnSp>
       <p:cxnSp>
         <p:nvCxnSpPr>
-          <p:cNvPr id="140" name="Google Shape;140;p14"/>
+          <p:cNvPr id="149" name="Google Shape;149;p14"/>
           <p:cNvCxnSpPr>
-            <a:stCxn id="136" idx="6"/>
-            <a:endCxn id="141" idx="1"/>
+            <a:stCxn id="145" idx="6"/>
+            <a:endCxn id="150" idx="1"/>
           </p:cNvCxnSpPr>
           <p:nvPr/>
         </p:nvCxnSpPr>
@@ -7968,7 +8266,7 @@
       </p:cxnSp>
       <p:sp>
         <p:nvSpPr>
-          <p:cNvPr id="141" name="Google Shape;141;p14"/>
+          <p:cNvPr id="150" name="Google Shape;150;p14"/>
           <p:cNvSpPr/>
           <p:nvPr/>
         </p:nvSpPr>
@@ -8012,21 +8310,21 @@
       </p:sp>
       <p:cxnSp>
         <p:nvCxnSpPr>
-          <p:cNvPr id="142" name="Google Shape;142;p14"/>
+          <p:cNvPr id="151" name="Google Shape;151;p14"/>
           <p:cNvCxnSpPr>
-            <a:stCxn id="141" idx="0"/>
-            <a:endCxn id="106" idx="2"/>
+            <a:stCxn id="150" idx="0"/>
+            <a:endCxn id="115" idx="2"/>
           </p:cNvCxnSpPr>
           <p:nvPr/>
         </p:nvCxnSpPr>
         <p:spPr>
           <a:xfrm flipH="1" rot="5400000">
-            <a:off x="6721228" y="2328488"/>
-            <a:ext cx="2318700" cy="320100"/>
+            <a:off x="6715978" y="2323238"/>
+            <a:ext cx="2329200" cy="320100"/>
           </a:xfrm>
           <a:prstGeom prst="curvedConnector3">
             <a:avLst>
-              <a:gd fmla="val 49998" name="adj1"/>
+              <a:gd fmla="val 49999" name="adj1"/>
             </a:avLst>
           </a:prstGeom>
           <a:noFill/>
@@ -8043,10 +8341,10 @@
       </p:cxnSp>
       <p:cxnSp>
         <p:nvCxnSpPr>
-          <p:cNvPr id="143" name="Google Shape;143;p14"/>
+          <p:cNvPr id="152" name="Google Shape;152;p14"/>
           <p:cNvCxnSpPr>
-            <a:stCxn id="136" idx="6"/>
-            <a:endCxn id="134" idx="2"/>
+            <a:stCxn id="145" idx="6"/>
+            <a:endCxn id="143" idx="2"/>
           </p:cNvCxnSpPr>
           <p:nvPr/>
         </p:nvCxnSpPr>
@@ -8072,7 +8370,7 @@
       </p:cxnSp>
       <p:sp>
         <p:nvSpPr>
-          <p:cNvPr id="144" name="Google Shape;144;p14"/>
+          <p:cNvPr id="153" name="Google Shape;153;p14"/>
           <p:cNvSpPr/>
           <p:nvPr/>
         </p:nvSpPr>
@@ -8116,10 +8414,10 @@
       </p:sp>
       <p:cxnSp>
         <p:nvCxnSpPr>
-          <p:cNvPr id="145" name="Google Shape;145;p14"/>
+          <p:cNvPr id="154" name="Google Shape;154;p14"/>
           <p:cNvCxnSpPr>
-            <a:stCxn id="119" idx="3"/>
-            <a:endCxn id="144" idx="1"/>
+            <a:stCxn id="128" idx="3"/>
+            <a:endCxn id="153" idx="1"/>
           </p:cNvCxnSpPr>
           <p:nvPr/>
         </p:nvCxnSpPr>
@@ -8147,7 +8445,7 @@
       </p:cxnSp>
       <p:grpSp>
         <p:nvGrpSpPr>
-          <p:cNvPr id="146" name="Google Shape;146;p14"/>
+          <p:cNvPr id="155" name="Google Shape;155;p14"/>
           <p:cNvGrpSpPr/>
           <p:nvPr/>
         </p:nvGrpSpPr>
@@ -8161,7 +8459,7 @@
         </p:grpSpPr>
         <p:sp>
           <p:nvSpPr>
-            <p:cNvPr id="136" name="Google Shape;136;p14"/>
+            <p:cNvPr id="145" name="Google Shape;145;p14"/>
             <p:cNvSpPr/>
             <p:nvPr/>
           </p:nvSpPr>
@@ -8204,7 +8502,7 @@
         </p:sp>
         <p:sp>
           <p:nvSpPr>
-            <p:cNvPr id="147" name="Google Shape;147;p14"/>
+            <p:cNvPr id="156" name="Google Shape;156;p14"/>
             <p:cNvSpPr/>
             <p:nvPr/>
           </p:nvSpPr>
@@ -8256,17 +8554,17 @@
       </p:grpSp>
       <p:cxnSp>
         <p:nvCxnSpPr>
-          <p:cNvPr id="148" name="Google Shape;148;p14"/>
+          <p:cNvPr id="157" name="Google Shape;157;p14"/>
           <p:cNvCxnSpPr>
-            <a:stCxn id="144" idx="0"/>
-            <a:endCxn id="99" idx="1"/>
+            <a:stCxn id="153" idx="0"/>
+            <a:endCxn id="108" idx="1"/>
           </p:cNvCxnSpPr>
           <p:nvPr/>
         </p:nvCxnSpPr>
         <p:spPr>
           <a:xfrm rot="-5400000">
-            <a:off x="5639630" y="759050"/>
-            <a:ext cx="598500" cy="598500"/>
+            <a:off x="5634380" y="753800"/>
+            <a:ext cx="609000" cy="598500"/>
           </a:xfrm>
           <a:prstGeom prst="bentConnector2">
             <a:avLst/>
@@ -8285,7 +8583,7 @@
       </p:cxnSp>
       <p:sp>
         <p:nvSpPr>
-          <p:cNvPr id="149" name="Google Shape;149;p14"/>
+          <p:cNvPr id="158" name="Google Shape;158;p14"/>
           <p:cNvSpPr txBox="1"/>
           <p:nvPr/>
         </p:nvSpPr>
@@ -8319,7 +8617,7 @@
             </a:pPr>
             <a:r>
               <a:rPr lang="en" sz="1200"/>
-              <a:t>Surrogate Model</a:t>
+              <a:t>Surrogate Neural Model</a:t>
             </a:r>
             <a:endParaRPr sz="1200"/>
           </a:p>
